--- a/GKKprezentáció.pptx
+++ b/GKKprezentáció.pptx
@@ -5,13 +5,15 @@
     <p:sldMasterId id="2147483648" r:id="rId1"/>
   </p:sldMasterIdLst>
   <p:notesMasterIdLst>
-    <p:notesMasterId r:id="rId6"/>
+    <p:notesMasterId r:id="rId8"/>
   </p:notesMasterIdLst>
   <p:sldIdLst>
     <p:sldId id="256" r:id="rId2"/>
     <p:sldId id="257" r:id="rId3"/>
     <p:sldId id="259" r:id="rId4"/>
-    <p:sldId id="258" r:id="rId5"/>
+    <p:sldId id="260" r:id="rId5"/>
+    <p:sldId id="261" r:id="rId6"/>
+    <p:sldId id="258" r:id="rId7"/>
   </p:sldIdLst>
   <p:sldSz cx="12192000" cy="6858000"/>
   <p:notesSz cx="6858000" cy="9144000"/>
@@ -110,6 +112,11 @@
       </a:defRPr>
     </a:lvl9pPr>
   </p:defaultTextStyle>
+  <p:extLst>
+    <p:ext uri="{EFAFB233-063F-42B5-8137-9DF3F51BA10A}">
+      <p15:sldGuideLst xmlns:p15="http://schemas.microsoft.com/office/powerpoint/2012/main"/>
+    </p:ext>
+  </p:extLst>
 </p:presentation>
 </file>
 
@@ -195,7 +202,7 @@
           <a:p>
             <a:fld id="{6F41C697-146D-431A-B6C3-E781A5C42B97}" type="datetimeFigureOut">
               <a:rPr lang="hu-HU" smtClean="0"/>
-              <a:t>2023. 02. 15.</a:t>
+              <a:t>2023. 02. 21.</a:t>
             </a:fld>
             <a:endParaRPr lang="hu-HU"/>
           </a:p>
@@ -507,68 +514,6 @@
           <a:bodyPr/>
           <a:lstStyle/>
           <a:p>
-            <a:r>
-              <a:rPr lang="hu-HU" sz="1200" b="0" i="0" kern="1200" dirty="0" smtClean="0">
-                <a:solidFill>
-                  <a:schemeClr val="tx1"/>
-                </a:solidFill>
-                <a:effectLst/>
-                <a:latin typeface="+mn-lt"/>
-                <a:ea typeface="+mn-ea"/>
-                <a:cs typeface="+mn-cs"/>
-              </a:rPr>
-              <a:t>A mi projektünk célja, hogy a hétköznapi emberek számára könnyebbé és egyszerűbbé tegye a gépjármű bérlés lehetőségét, a cégek számára könnyebbé és átláthatóbbá tegye a gépjárművek nyilvántartását és a bérlések kezelését. </a:t>
-            </a:r>
-          </a:p>
-          <a:p>
-            <a:endParaRPr lang="hu-HU" sz="1200" b="0" i="0" kern="1200" dirty="0" smtClean="0">
-              <a:solidFill>
-                <a:schemeClr val="tx1"/>
-              </a:solidFill>
-              <a:effectLst/>
-              <a:latin typeface="+mn-lt"/>
-              <a:ea typeface="+mn-ea"/>
-              <a:cs typeface="+mn-cs"/>
-            </a:endParaRPr>
-          </a:p>
-          <a:p>
-            <a:r>
-              <a:rPr lang="hu-HU" sz="1200" b="0" i="0" kern="1200" dirty="0" smtClean="0">
-                <a:solidFill>
-                  <a:schemeClr val="tx1"/>
-                </a:solidFill>
-                <a:effectLst/>
-                <a:latin typeface="+mn-lt"/>
-                <a:ea typeface="+mn-ea"/>
-                <a:cs typeface="+mn-cs"/>
-              </a:rPr>
-              <a:t>Azért választottuk ezt a témát mivel érdeklődünk a személy-gépkocsik iránt. </a:t>
-            </a:r>
-          </a:p>
-          <a:p>
-            <a:endParaRPr lang="hu-HU" sz="1200" b="0" i="0" kern="1200" dirty="0" smtClean="0">
-              <a:solidFill>
-                <a:schemeClr val="tx1"/>
-              </a:solidFill>
-              <a:effectLst/>
-              <a:latin typeface="+mn-lt"/>
-              <a:ea typeface="+mn-ea"/>
-              <a:cs typeface="+mn-cs"/>
-            </a:endParaRPr>
-          </a:p>
-          <a:p>
-            <a:r>
-              <a:rPr lang="hu-HU" sz="1200" b="0" i="0" kern="1200" dirty="0" smtClean="0">
-                <a:solidFill>
-                  <a:schemeClr val="tx1"/>
-                </a:solidFill>
-                <a:effectLst/>
-                <a:latin typeface="+mn-lt"/>
-                <a:ea typeface="+mn-ea"/>
-                <a:cs typeface="+mn-cs"/>
-              </a:rPr>
-              <a:t>Korábbi autóbérlésünk során találkoztunk néhány nehézséggel, így szeretnénk megkönnyíteni a városba érkező turisták vagy helyiek, vagy környékbeliek közlekedési problémáit, egyúttal egy vállalkozás munkáját, ami bérbeadással foglalkozik.</a:t>
-            </a:r>
             <a:endParaRPr lang="hu-HU" dirty="0"/>
           </a:p>
         </p:txBody>
@@ -590,7 +535,7 @@
           <a:p>
             <a:fld id="{3C0E172F-5828-4ACE-8474-08765021FC61}" type="slidenum">
               <a:rPr lang="hu-HU" smtClean="0"/>
-              <a:t>2</a:t>
+              <a:t>1</a:t>
             </a:fld>
             <a:endParaRPr lang="hu-HU"/>
           </a:p>
@@ -599,7 +544,7 @@
     </p:spTree>
     <p:extLst>
       <p:ext uri="{BB962C8B-B14F-4D97-AF65-F5344CB8AC3E}">
-        <p14:creationId xmlns:p14="http://schemas.microsoft.com/office/powerpoint/2010/main" val="2820373320"/>
+        <p14:creationId xmlns:p14="http://schemas.microsoft.com/office/powerpoint/2010/main" val="13702084"/>
       </p:ext>
     </p:extLst>
   </p:cSld>
@@ -654,84 +599,66 @@
           <a:lstStyle/>
           <a:p>
             <a:r>
-              <a:rPr lang="hu-HU" dirty="0" smtClean="0"/>
-              <a:t>A </a:t>
-            </a:r>
-            <a:r>
-              <a:rPr lang="hu-HU" dirty="0" err="1" smtClean="0"/>
-              <a:t>html</a:t>
-            </a:r>
-            <a:r>
-              <a:rPr lang="hu-HU" dirty="0" smtClean="0"/>
-              <a:t>-el</a:t>
-            </a:r>
-            <a:r>
-              <a:rPr lang="hu-HU" baseline="0" dirty="0" smtClean="0"/>
-              <a:t> készítettük el a weboldal alapját, amelyet </a:t>
-            </a:r>
-            <a:r>
-              <a:rPr lang="hu-HU" baseline="0" dirty="0" err="1" smtClean="0"/>
-              <a:t>css</a:t>
-            </a:r>
-            <a:r>
-              <a:rPr lang="hu-HU" baseline="0" dirty="0" smtClean="0"/>
-              <a:t> segítségével formáztunk meg. </a:t>
-            </a:r>
-          </a:p>
-          <a:p>
-            <a:endParaRPr lang="hu-HU" baseline="0" dirty="0" smtClean="0"/>
-          </a:p>
-          <a:p>
-            <a:r>
-              <a:rPr lang="hu-HU" baseline="0" dirty="0" smtClean="0"/>
-              <a:t>A </a:t>
-            </a:r>
-            <a:r>
-              <a:rPr lang="hu-HU" baseline="0" dirty="0" err="1" smtClean="0"/>
-              <a:t>javascriptet</a:t>
-            </a:r>
-            <a:r>
-              <a:rPr lang="hu-HU" baseline="0" dirty="0" smtClean="0"/>
-              <a:t> is használtunk a weboldalhoz.</a:t>
-            </a:r>
-          </a:p>
-          <a:p>
-            <a:endParaRPr lang="hu-HU" baseline="0" dirty="0" smtClean="0"/>
-          </a:p>
-          <a:p>
-            <a:r>
-              <a:rPr lang="hu-HU" baseline="0" dirty="0" smtClean="0"/>
-              <a:t>A php-t használtuk a weboldal backend részének az elkészítéséhez.</a:t>
-            </a:r>
-          </a:p>
-          <a:p>
-            <a:endParaRPr lang="hu-HU" baseline="0" dirty="0" smtClean="0"/>
-          </a:p>
-          <a:p>
-            <a:r>
-              <a:rPr lang="hu-HU" baseline="0" dirty="0" smtClean="0"/>
-              <a:t>A </a:t>
-            </a:r>
-            <a:r>
-              <a:rPr lang="hu-HU" baseline="0" dirty="0" err="1" smtClean="0"/>
-              <a:t>mysql</a:t>
-            </a:r>
-            <a:r>
-              <a:rPr lang="hu-HU" baseline="0" dirty="0" smtClean="0"/>
-              <a:t>-t használja az alkalmazásunk adattárolásra.</a:t>
-            </a:r>
-          </a:p>
-          <a:p>
-            <a:endParaRPr lang="hu-HU" baseline="0" dirty="0" smtClean="0"/>
-          </a:p>
-          <a:p>
-            <a:r>
-              <a:rPr lang="hu-HU" baseline="0" smtClean="0"/>
-              <a:t>Java </a:t>
-            </a:r>
-            <a:r>
-              <a:rPr lang="hu-HU" baseline="0" dirty="0" smtClean="0"/>
-              <a:t>nyelven készítettük az asztali alkalmazásunkat. </a:t>
+              <a:rPr lang="hu-HU" sz="1200" b="0" i="0" kern="1200" dirty="0" smtClean="0">
+                <a:solidFill>
+                  <a:schemeClr val="tx1"/>
+                </a:solidFill>
+                <a:effectLst/>
+                <a:latin typeface="+mn-lt"/>
+                <a:ea typeface="+mn-ea"/>
+                <a:cs typeface="+mn-cs"/>
+              </a:rPr>
+              <a:t>A mi projektünk célja, hogy a hétköznapi emberek számára könnyebbé és egyszerűbbé tegye a gépjármű bérlés lehetőségét, a cégek számára könnyebbé és átláthatóbbá tegye a gépjárművek nyilvántartását és a bérlések kezelését. </a:t>
+            </a:r>
+          </a:p>
+          <a:p>
+            <a:endParaRPr lang="hu-HU" sz="1200" b="0" i="0" kern="1200" dirty="0" smtClean="0">
+              <a:solidFill>
+                <a:schemeClr val="tx1"/>
+              </a:solidFill>
+              <a:effectLst/>
+              <a:latin typeface="+mn-lt"/>
+              <a:ea typeface="+mn-ea"/>
+              <a:cs typeface="+mn-cs"/>
+            </a:endParaRPr>
+          </a:p>
+          <a:p>
+            <a:r>
+              <a:rPr lang="hu-HU" sz="1200" b="0" i="0" kern="1200" dirty="0" smtClean="0">
+                <a:solidFill>
+                  <a:schemeClr val="tx1"/>
+                </a:solidFill>
+                <a:effectLst/>
+                <a:latin typeface="+mn-lt"/>
+                <a:ea typeface="+mn-ea"/>
+                <a:cs typeface="+mn-cs"/>
+              </a:rPr>
+              <a:t>Azért választottuk ezt a témát mivel érdeklődünk a személy-gépkocsik iránt. </a:t>
+            </a:r>
+          </a:p>
+          <a:p>
+            <a:endParaRPr lang="hu-HU" sz="1200" b="0" i="0" kern="1200" dirty="0" smtClean="0">
+              <a:solidFill>
+                <a:schemeClr val="tx1"/>
+              </a:solidFill>
+              <a:effectLst/>
+              <a:latin typeface="+mn-lt"/>
+              <a:ea typeface="+mn-ea"/>
+              <a:cs typeface="+mn-cs"/>
+            </a:endParaRPr>
+          </a:p>
+          <a:p>
+            <a:r>
+              <a:rPr lang="hu-HU" sz="1200" b="0" i="0" kern="1200" dirty="0" smtClean="0">
+                <a:solidFill>
+                  <a:schemeClr val="tx1"/>
+                </a:solidFill>
+                <a:effectLst/>
+                <a:latin typeface="+mn-lt"/>
+                <a:ea typeface="+mn-ea"/>
+                <a:cs typeface="+mn-cs"/>
+              </a:rPr>
+              <a:t>Korábbi autóbérlésünk során találkoztunk néhány nehézséggel, így szeretnénk megkönnyíteni a városba érkező turisták vagy helyiek, vagy környékbeliek közlekedési problémáit, egyúttal egy vállalkozás munkáját, ami bérbeadással foglalkozik.</a:t>
             </a:r>
             <a:endParaRPr lang="hu-HU" dirty="0"/>
           </a:p>
@@ -754,6 +681,170 @@
           <a:p>
             <a:fld id="{3C0E172F-5828-4ACE-8474-08765021FC61}" type="slidenum">
               <a:rPr lang="hu-HU" smtClean="0"/>
+              <a:t>2</a:t>
+            </a:fld>
+            <a:endParaRPr lang="hu-HU"/>
+          </a:p>
+        </p:txBody>
+      </p:sp>
+    </p:spTree>
+    <p:extLst>
+      <p:ext uri="{BB962C8B-B14F-4D97-AF65-F5344CB8AC3E}">
+        <p14:creationId xmlns:p14="http://schemas.microsoft.com/office/powerpoint/2010/main" val="2820373320"/>
+      </p:ext>
+    </p:extLst>
+  </p:cSld>
+  <p:clrMapOvr>
+    <a:masterClrMapping/>
+  </p:clrMapOvr>
+</p:notes>
+</file>
+
+<file path=ppt/notesSlides/notesSlide3.xml><?xml version="1.0" encoding="utf-8"?>
+<p:notes xmlns:a="http://schemas.openxmlformats.org/drawingml/2006/main" xmlns:r="http://schemas.openxmlformats.org/officeDocument/2006/relationships" xmlns:p="http://schemas.openxmlformats.org/presentationml/2006/main">
+  <p:cSld>
+    <p:spTree>
+      <p:nvGrpSpPr>
+        <p:cNvPr id="1" name=""/>
+        <p:cNvGrpSpPr/>
+        <p:nvPr/>
+      </p:nvGrpSpPr>
+      <p:grpSpPr>
+        <a:xfrm>
+          <a:off x="0" y="0"/>
+          <a:ext cx="0" cy="0"/>
+          <a:chOff x="0" y="0"/>
+          <a:chExt cx="0" cy="0"/>
+        </a:xfrm>
+      </p:grpSpPr>
+      <p:sp>
+        <p:nvSpPr>
+          <p:cNvPr id="2" name="Diakép helye 1"/>
+          <p:cNvSpPr>
+            <a:spLocks noGrp="1" noRot="1" noChangeAspect="1"/>
+          </p:cNvSpPr>
+          <p:nvPr>
+            <p:ph type="sldImg"/>
+          </p:nvPr>
+        </p:nvSpPr>
+        <p:spPr/>
+      </p:sp>
+      <p:sp>
+        <p:nvSpPr>
+          <p:cNvPr id="3" name="Jegyzetek helye 2"/>
+          <p:cNvSpPr>
+            <a:spLocks noGrp="1"/>
+          </p:cNvSpPr>
+          <p:nvPr>
+            <p:ph type="body" idx="1"/>
+          </p:nvPr>
+        </p:nvSpPr>
+        <p:spPr/>
+        <p:txBody>
+          <a:bodyPr/>
+          <a:lstStyle/>
+          <a:p>
+            <a:r>
+              <a:rPr lang="hu-HU" dirty="0" smtClean="0"/>
+              <a:t>A </a:t>
+            </a:r>
+            <a:r>
+              <a:rPr lang="hu-HU" dirty="0" err="1" smtClean="0"/>
+              <a:t>html</a:t>
+            </a:r>
+            <a:r>
+              <a:rPr lang="hu-HU" dirty="0" smtClean="0"/>
+              <a:t>-el</a:t>
+            </a:r>
+            <a:r>
+              <a:rPr lang="hu-HU" baseline="0" dirty="0" smtClean="0"/>
+              <a:t> készítettük el a weboldal alapját, amelyet </a:t>
+            </a:r>
+            <a:r>
+              <a:rPr lang="hu-HU" baseline="0" dirty="0" err="1" smtClean="0"/>
+              <a:t>css</a:t>
+            </a:r>
+            <a:r>
+              <a:rPr lang="hu-HU" baseline="0" dirty="0" smtClean="0"/>
+              <a:t> segítségével formáztunk meg. </a:t>
+            </a:r>
+          </a:p>
+          <a:p>
+            <a:endParaRPr lang="hu-HU" baseline="0" dirty="0" smtClean="0"/>
+          </a:p>
+          <a:p>
+            <a:r>
+              <a:rPr lang="hu-HU" baseline="0" dirty="0" smtClean="0"/>
+              <a:t>A </a:t>
+            </a:r>
+            <a:r>
+              <a:rPr lang="hu-HU" baseline="0" dirty="0" err="1" smtClean="0"/>
+              <a:t>javascriptet</a:t>
+            </a:r>
+            <a:r>
+              <a:rPr lang="hu-HU" baseline="0" dirty="0" smtClean="0"/>
+              <a:t> is használtunk a weboldalhoz.</a:t>
+            </a:r>
+          </a:p>
+          <a:p>
+            <a:endParaRPr lang="hu-HU" baseline="0" dirty="0" smtClean="0"/>
+          </a:p>
+          <a:p>
+            <a:r>
+              <a:rPr lang="hu-HU" baseline="0" dirty="0" smtClean="0"/>
+              <a:t>A php-t használtuk a weboldal backend részének az elkészítéséhez.</a:t>
+            </a:r>
+          </a:p>
+          <a:p>
+            <a:endParaRPr lang="hu-HU" baseline="0" dirty="0" smtClean="0"/>
+          </a:p>
+          <a:p>
+            <a:r>
+              <a:rPr lang="hu-HU" baseline="0" dirty="0" smtClean="0"/>
+              <a:t>A </a:t>
+            </a:r>
+            <a:r>
+              <a:rPr lang="hu-HU" baseline="0" dirty="0" err="1" smtClean="0"/>
+              <a:t>mysql</a:t>
+            </a:r>
+            <a:r>
+              <a:rPr lang="hu-HU" baseline="0" dirty="0" smtClean="0"/>
+              <a:t>-t használja az alkalmazásunk adattárolásra.</a:t>
+            </a:r>
+          </a:p>
+          <a:p>
+            <a:endParaRPr lang="hu-HU" baseline="0" dirty="0" smtClean="0"/>
+          </a:p>
+          <a:p>
+            <a:r>
+              <a:rPr lang="hu-HU" baseline="0" smtClean="0"/>
+              <a:t>Java </a:t>
+            </a:r>
+            <a:r>
+              <a:rPr lang="hu-HU" baseline="0" dirty="0" smtClean="0"/>
+              <a:t>nyelven készítettük az asztali alkalmazásunkat. </a:t>
+            </a:r>
+            <a:endParaRPr lang="hu-HU" dirty="0"/>
+          </a:p>
+        </p:txBody>
+      </p:sp>
+      <p:sp>
+        <p:nvSpPr>
+          <p:cNvPr id="4" name="Dia számának helye 3"/>
+          <p:cNvSpPr>
+            <a:spLocks noGrp="1"/>
+          </p:cNvSpPr>
+          <p:nvPr>
+            <p:ph type="sldNum" sz="quarter" idx="10"/>
+          </p:nvPr>
+        </p:nvSpPr>
+        <p:spPr/>
+        <p:txBody>
+          <a:bodyPr/>
+          <a:lstStyle/>
+          <a:p>
+            <a:fld id="{3C0E172F-5828-4ACE-8474-08765021FC61}" type="slidenum">
+              <a:rPr lang="hu-HU" smtClean="0"/>
               <a:t>3</a:t>
             </a:fld>
             <a:endParaRPr lang="hu-HU"/>
@@ -764,6 +855,597 @@
     <p:extLst>
       <p:ext uri="{BB962C8B-B14F-4D97-AF65-F5344CB8AC3E}">
         <p14:creationId xmlns:p14="http://schemas.microsoft.com/office/powerpoint/2010/main" val="317234145"/>
+      </p:ext>
+    </p:extLst>
+  </p:cSld>
+  <p:clrMapOvr>
+    <a:masterClrMapping/>
+  </p:clrMapOvr>
+</p:notes>
+</file>
+
+<file path=ppt/notesSlides/notesSlide4.xml><?xml version="1.0" encoding="utf-8"?>
+<p:notes xmlns:a="http://schemas.openxmlformats.org/drawingml/2006/main" xmlns:r="http://schemas.openxmlformats.org/officeDocument/2006/relationships" xmlns:p="http://schemas.openxmlformats.org/presentationml/2006/main">
+  <p:cSld>
+    <p:spTree>
+      <p:nvGrpSpPr>
+        <p:cNvPr id="1" name=""/>
+        <p:cNvGrpSpPr/>
+        <p:nvPr/>
+      </p:nvGrpSpPr>
+      <p:grpSpPr>
+        <a:xfrm>
+          <a:off x="0" y="0"/>
+          <a:ext cx="0" cy="0"/>
+          <a:chOff x="0" y="0"/>
+          <a:chExt cx="0" cy="0"/>
+        </a:xfrm>
+      </p:grpSpPr>
+      <p:sp>
+        <p:nvSpPr>
+          <p:cNvPr id="2" name="Diakép helye 1"/>
+          <p:cNvSpPr>
+            <a:spLocks noGrp="1" noRot="1" noChangeAspect="1"/>
+          </p:cNvSpPr>
+          <p:nvPr>
+            <p:ph type="sldImg"/>
+          </p:nvPr>
+        </p:nvSpPr>
+        <p:spPr/>
+      </p:sp>
+      <p:sp>
+        <p:nvSpPr>
+          <p:cNvPr id="3" name="Jegyzetek helye 2"/>
+          <p:cNvSpPr>
+            <a:spLocks noGrp="1"/>
+          </p:cNvSpPr>
+          <p:nvPr>
+            <p:ph type="body" idx="1"/>
+          </p:nvPr>
+        </p:nvSpPr>
+        <p:spPr/>
+        <p:txBody>
+          <a:bodyPr/>
+          <a:lstStyle/>
+          <a:p>
+            <a:r>
+              <a:rPr lang="hu-HU" dirty="0" smtClean="0"/>
+              <a:t>Az adatbázisunk 4 táblából áll. A </a:t>
+            </a:r>
+            <a:r>
+              <a:rPr lang="hu-HU" dirty="0" err="1" smtClean="0"/>
+              <a:t>user</a:t>
+            </a:r>
+            <a:r>
+              <a:rPr lang="hu-HU" dirty="0" smtClean="0"/>
+              <a:t> táblában</a:t>
+            </a:r>
+            <a:r>
+              <a:rPr lang="hu-HU" baseline="0" dirty="0" smtClean="0"/>
+              <a:t> tároljuk a felhasználó adatait ami a regisztrációt követően kerül feltöltésre. A felhasználónak 3 darab rangja lehet: </a:t>
+            </a:r>
+            <a:r>
+              <a:rPr lang="hu-HU" baseline="0" dirty="0" err="1" smtClean="0"/>
+              <a:t>user</a:t>
+            </a:r>
+            <a:r>
+              <a:rPr lang="hu-HU" baseline="0" dirty="0" smtClean="0"/>
+              <a:t>, </a:t>
+            </a:r>
+            <a:r>
+              <a:rPr lang="hu-HU" baseline="0" dirty="0" err="1" smtClean="0"/>
+              <a:t>worker</a:t>
+            </a:r>
+            <a:r>
+              <a:rPr lang="hu-HU" baseline="0" dirty="0" smtClean="0"/>
+              <a:t>, </a:t>
+            </a:r>
+            <a:r>
+              <a:rPr lang="hu-HU" baseline="0" dirty="0" err="1" smtClean="0"/>
+              <a:t>admin</a:t>
+            </a:r>
+            <a:r>
+              <a:rPr lang="hu-HU" baseline="0" dirty="0" smtClean="0"/>
+              <a:t>  (Itt mond el mi van a táblában!)</a:t>
+            </a:r>
+          </a:p>
+          <a:p>
+            <a:r>
+              <a:rPr lang="hu-HU" baseline="0" dirty="0" smtClean="0"/>
+              <a:t> </a:t>
+            </a:r>
+          </a:p>
+          <a:p>
+            <a:pPr marL="0" marR="0" indent="0" algn="l" defTabSz="914400" rtl="0" eaLnBrk="1" fontAlgn="auto" latinLnBrk="0" hangingPunct="1">
+              <a:lnSpc>
+                <a:spcPct val="100000"/>
+              </a:lnSpc>
+              <a:spcBef>
+                <a:spcPts val="0"/>
+              </a:spcBef>
+              <a:spcAft>
+                <a:spcPts val="0"/>
+              </a:spcAft>
+              <a:buClrTx/>
+              <a:buSzTx/>
+              <a:buFontTx/>
+              <a:buNone/>
+              <a:tabLst/>
+              <a:defRPr/>
+            </a:pPr>
+            <a:r>
+              <a:rPr lang="hu-HU" baseline="0" dirty="0" smtClean="0"/>
+              <a:t>A vehicles táblában tároljuk a gépjárműveket és a gépjárműről egy fotót. Gépjárművet csak a Java alkalmazásból lehet feltölteni</a:t>
+            </a:r>
+            <a:r>
+              <a:rPr lang="hu-HU" baseline="0" dirty="0" smtClean="0"/>
+              <a:t> (Itt mond el mi van a táblában!)</a:t>
+            </a:r>
+          </a:p>
+          <a:p>
+            <a:pPr marL="0" marR="0" indent="0" algn="l" defTabSz="914400" rtl="0" eaLnBrk="1" fontAlgn="auto" latinLnBrk="0" hangingPunct="1">
+              <a:lnSpc>
+                <a:spcPct val="100000"/>
+              </a:lnSpc>
+              <a:spcBef>
+                <a:spcPts val="0"/>
+              </a:spcBef>
+              <a:spcAft>
+                <a:spcPts val="0"/>
+              </a:spcAft>
+              <a:buClrTx/>
+              <a:buSzTx/>
+              <a:buFontTx/>
+              <a:buNone/>
+              <a:tabLst/>
+              <a:defRPr/>
+            </a:pPr>
+            <a:endParaRPr lang="hu-HU" baseline="0" dirty="0" smtClean="0"/>
+          </a:p>
+          <a:p>
+            <a:pPr marL="0" marR="0" indent="0" algn="l" defTabSz="914400" rtl="0" eaLnBrk="1" fontAlgn="auto" latinLnBrk="0" hangingPunct="1">
+              <a:lnSpc>
+                <a:spcPct val="100000"/>
+              </a:lnSpc>
+              <a:spcBef>
+                <a:spcPts val="0"/>
+              </a:spcBef>
+              <a:spcAft>
+                <a:spcPts val="0"/>
+              </a:spcAft>
+              <a:buClrTx/>
+              <a:buSzTx/>
+              <a:buFontTx/>
+              <a:buNone/>
+              <a:tabLst/>
+              <a:defRPr/>
+            </a:pPr>
+            <a:r>
+              <a:rPr lang="hu-HU" baseline="0" dirty="0" smtClean="0"/>
+              <a:t>A booking táblában találhatóak a gépjármű foglalások. (Itt mond el mi van a táblában!)</a:t>
+            </a:r>
+          </a:p>
+          <a:p>
+            <a:pPr marL="0" marR="0" indent="0" algn="l" defTabSz="914400" rtl="0" eaLnBrk="1" fontAlgn="auto" latinLnBrk="0" hangingPunct="1">
+              <a:lnSpc>
+                <a:spcPct val="100000"/>
+              </a:lnSpc>
+              <a:spcBef>
+                <a:spcPts val="0"/>
+              </a:spcBef>
+              <a:spcAft>
+                <a:spcPts val="0"/>
+              </a:spcAft>
+              <a:buClrTx/>
+              <a:buSzTx/>
+              <a:buFontTx/>
+              <a:buNone/>
+              <a:tabLst/>
+              <a:defRPr/>
+            </a:pPr>
+            <a:endParaRPr lang="hu-HU" baseline="0" dirty="0" smtClean="0"/>
+          </a:p>
+          <a:p>
+            <a:pPr marL="0" marR="0" indent="0" algn="l" defTabSz="914400" rtl="0" eaLnBrk="1" fontAlgn="auto" latinLnBrk="0" hangingPunct="1">
+              <a:lnSpc>
+                <a:spcPct val="100000"/>
+              </a:lnSpc>
+              <a:spcBef>
+                <a:spcPts val="0"/>
+              </a:spcBef>
+              <a:spcAft>
+                <a:spcPts val="0"/>
+              </a:spcAft>
+              <a:buClrTx/>
+              <a:buSzTx/>
+              <a:buFontTx/>
+              <a:buNone/>
+              <a:tabLst/>
+              <a:defRPr/>
+            </a:pPr>
+            <a:r>
+              <a:rPr lang="hu-HU" baseline="0" dirty="0" smtClean="0"/>
+              <a:t>A java alkalmazásban a dolgozó jogosultságú tud küldeni üzenetet </a:t>
+            </a:r>
+            <a:r>
+              <a:rPr lang="hu-HU" baseline="0" dirty="0" err="1" smtClean="0"/>
+              <a:t>adminnak</a:t>
+            </a:r>
+            <a:r>
+              <a:rPr lang="hu-HU" baseline="0" dirty="0" smtClean="0"/>
+              <a:t> és ezeket az üzeneteket a </a:t>
+            </a:r>
+            <a:r>
+              <a:rPr lang="hu-HU" baseline="0" dirty="0" err="1" smtClean="0"/>
+              <a:t>message</a:t>
+            </a:r>
+            <a:r>
+              <a:rPr lang="hu-HU" baseline="0" dirty="0" smtClean="0"/>
+              <a:t> táblában tároljuk el. (Itt mond el mi van a táblában!)</a:t>
+            </a:r>
+          </a:p>
+          <a:p>
+            <a:pPr marL="0" marR="0" indent="0" algn="l" defTabSz="914400" rtl="0" eaLnBrk="1" fontAlgn="auto" latinLnBrk="0" hangingPunct="1">
+              <a:lnSpc>
+                <a:spcPct val="100000"/>
+              </a:lnSpc>
+              <a:spcBef>
+                <a:spcPts val="0"/>
+              </a:spcBef>
+              <a:spcAft>
+                <a:spcPts val="0"/>
+              </a:spcAft>
+              <a:buClrTx/>
+              <a:buSzTx/>
+              <a:buFontTx/>
+              <a:buNone/>
+              <a:tabLst/>
+              <a:defRPr/>
+            </a:pPr>
+            <a:endParaRPr lang="hu-HU" baseline="0" dirty="0" smtClean="0"/>
+          </a:p>
+          <a:p>
+            <a:pPr marL="0" marR="0" indent="0" algn="l" defTabSz="914400" rtl="0" eaLnBrk="1" fontAlgn="auto" latinLnBrk="0" hangingPunct="1">
+              <a:lnSpc>
+                <a:spcPct val="100000"/>
+              </a:lnSpc>
+              <a:spcBef>
+                <a:spcPts val="0"/>
+              </a:spcBef>
+              <a:spcAft>
+                <a:spcPts val="0"/>
+              </a:spcAft>
+              <a:buClrTx/>
+              <a:buSzTx/>
+              <a:buFontTx/>
+              <a:buNone/>
+              <a:tabLst/>
+              <a:defRPr/>
+            </a:pPr>
+            <a:r>
+              <a:rPr lang="hu-HU" baseline="0" dirty="0" smtClean="0"/>
+              <a:t>A </a:t>
+            </a:r>
+            <a:r>
+              <a:rPr lang="hu-HU" baseline="0" dirty="0" err="1" smtClean="0"/>
+              <a:t>user</a:t>
+            </a:r>
+            <a:r>
+              <a:rPr lang="hu-HU" baseline="0" dirty="0" smtClean="0"/>
+              <a:t> táblában lévő </a:t>
+            </a:r>
+            <a:r>
+              <a:rPr lang="hu-HU" baseline="0" dirty="0" err="1" smtClean="0"/>
+              <a:t>id</a:t>
+            </a:r>
+            <a:r>
+              <a:rPr lang="hu-HU" baseline="0" dirty="0" smtClean="0"/>
+              <a:t> csatlakozik a </a:t>
+            </a:r>
+            <a:r>
+              <a:rPr lang="hu-HU" baseline="0" dirty="0" err="1" smtClean="0"/>
+              <a:t>bookings</a:t>
+            </a:r>
+            <a:r>
+              <a:rPr lang="hu-HU" baseline="0" dirty="0" smtClean="0"/>
+              <a:t> táblához mert így tudjuk beazonosítani hogy a felhasználó mikorra bérelt gépjárművet.</a:t>
+            </a:r>
+          </a:p>
+          <a:p>
+            <a:pPr marL="0" marR="0" indent="0" algn="l" defTabSz="914400" rtl="0" eaLnBrk="1" fontAlgn="auto" latinLnBrk="0" hangingPunct="1">
+              <a:lnSpc>
+                <a:spcPct val="100000"/>
+              </a:lnSpc>
+              <a:spcBef>
+                <a:spcPts val="0"/>
+              </a:spcBef>
+              <a:spcAft>
+                <a:spcPts val="0"/>
+              </a:spcAft>
+              <a:buClrTx/>
+              <a:buSzTx/>
+              <a:buFontTx/>
+              <a:buNone/>
+              <a:tabLst/>
+              <a:defRPr/>
+            </a:pPr>
+            <a:endParaRPr lang="hu-HU" baseline="0" dirty="0" smtClean="0"/>
+          </a:p>
+          <a:p>
+            <a:pPr marL="0" marR="0" indent="0" algn="l" defTabSz="914400" rtl="0" eaLnBrk="1" fontAlgn="auto" latinLnBrk="0" hangingPunct="1">
+              <a:lnSpc>
+                <a:spcPct val="100000"/>
+              </a:lnSpc>
+              <a:spcBef>
+                <a:spcPts val="0"/>
+              </a:spcBef>
+              <a:spcAft>
+                <a:spcPts val="0"/>
+              </a:spcAft>
+              <a:buClrTx/>
+              <a:buSzTx/>
+              <a:buFontTx/>
+              <a:buNone/>
+              <a:tabLst/>
+              <a:defRPr/>
+            </a:pPr>
+            <a:r>
+              <a:rPr lang="hu-HU" baseline="0" dirty="0" smtClean="0"/>
+              <a:t>A booking táblához csatlakozik a </a:t>
+            </a:r>
+            <a:r>
+              <a:rPr lang="hu-HU" baseline="0" dirty="0" err="1" smtClean="0"/>
+              <a:t>vehicle</a:t>
+            </a:r>
+            <a:r>
+              <a:rPr lang="hu-HU" baseline="0" dirty="0" smtClean="0"/>
+              <a:t> </a:t>
+            </a:r>
+            <a:r>
+              <a:rPr lang="hu-HU" baseline="0" dirty="0" err="1" smtClean="0"/>
+              <a:t>id</a:t>
+            </a:r>
+            <a:r>
+              <a:rPr lang="hu-HU" baseline="0" dirty="0" smtClean="0"/>
+              <a:t> is ezzel azt tudjuk ellenőrizni hogy a felhasználó melyik járművet foglalta le</a:t>
+            </a:r>
+          </a:p>
+          <a:p>
+            <a:pPr marL="0" marR="0" indent="0" algn="l" defTabSz="914400" rtl="0" eaLnBrk="1" fontAlgn="auto" latinLnBrk="0" hangingPunct="1">
+              <a:lnSpc>
+                <a:spcPct val="100000"/>
+              </a:lnSpc>
+              <a:spcBef>
+                <a:spcPts val="0"/>
+              </a:spcBef>
+              <a:spcAft>
+                <a:spcPts val="0"/>
+              </a:spcAft>
+              <a:buClrTx/>
+              <a:buSzTx/>
+              <a:buFontTx/>
+              <a:buNone/>
+              <a:tabLst/>
+              <a:defRPr/>
+            </a:pPr>
+            <a:endParaRPr lang="hu-HU" baseline="0" dirty="0" smtClean="0"/>
+          </a:p>
+          <a:p>
+            <a:pPr marL="0" marR="0" indent="0" algn="l" defTabSz="914400" rtl="0" eaLnBrk="1" fontAlgn="auto" latinLnBrk="0" hangingPunct="1">
+              <a:lnSpc>
+                <a:spcPct val="100000"/>
+              </a:lnSpc>
+              <a:spcBef>
+                <a:spcPts val="0"/>
+              </a:spcBef>
+              <a:spcAft>
+                <a:spcPts val="0"/>
+              </a:spcAft>
+              <a:buClrTx/>
+              <a:buSzTx/>
+              <a:buFontTx/>
+              <a:buNone/>
+              <a:tabLst/>
+              <a:defRPr/>
+            </a:pPr>
+            <a:r>
+              <a:rPr lang="hu-HU" baseline="0" dirty="0" smtClean="0"/>
+              <a:t>A </a:t>
+            </a:r>
+            <a:r>
+              <a:rPr lang="hu-HU" baseline="0" dirty="0" err="1" smtClean="0"/>
+              <a:t>user</a:t>
+            </a:r>
+            <a:r>
+              <a:rPr lang="hu-HU" baseline="0" dirty="0" smtClean="0"/>
+              <a:t> táblában a </a:t>
+            </a:r>
+            <a:r>
+              <a:rPr lang="hu-HU" baseline="0" dirty="0" err="1" smtClean="0"/>
+              <a:t>username</a:t>
+            </a:r>
+            <a:r>
+              <a:rPr lang="hu-HU" baseline="0" dirty="0" smtClean="0"/>
+              <a:t> csatlakozik a </a:t>
+            </a:r>
+            <a:r>
+              <a:rPr lang="hu-HU" baseline="0" dirty="0" err="1" smtClean="0"/>
+              <a:t>message</a:t>
+            </a:r>
+            <a:r>
+              <a:rPr lang="hu-HU" baseline="0" dirty="0" smtClean="0"/>
+              <a:t> táblához és ezzel fogja tudni beazonosítani az </a:t>
+            </a:r>
+            <a:r>
+              <a:rPr lang="hu-HU" baseline="0" dirty="0" err="1" smtClean="0"/>
+              <a:t>admin</a:t>
+            </a:r>
+            <a:r>
+              <a:rPr lang="hu-HU" baseline="0" dirty="0" smtClean="0"/>
+              <a:t> hogy ki küldte az üzenet.</a:t>
+            </a:r>
+          </a:p>
+          <a:p>
+            <a:endParaRPr lang="hu-HU" dirty="0"/>
+          </a:p>
+        </p:txBody>
+      </p:sp>
+      <p:sp>
+        <p:nvSpPr>
+          <p:cNvPr id="4" name="Dia számának helye 3"/>
+          <p:cNvSpPr>
+            <a:spLocks noGrp="1"/>
+          </p:cNvSpPr>
+          <p:nvPr>
+            <p:ph type="sldNum" sz="quarter" idx="10"/>
+          </p:nvPr>
+        </p:nvSpPr>
+        <p:spPr/>
+        <p:txBody>
+          <a:bodyPr/>
+          <a:lstStyle/>
+          <a:p>
+            <a:fld id="{3C0E172F-5828-4ACE-8474-08765021FC61}" type="slidenum">
+              <a:rPr lang="hu-HU" smtClean="0"/>
+              <a:t>4</a:t>
+            </a:fld>
+            <a:endParaRPr lang="hu-HU"/>
+          </a:p>
+        </p:txBody>
+      </p:sp>
+    </p:spTree>
+    <p:extLst>
+      <p:ext uri="{BB962C8B-B14F-4D97-AF65-F5344CB8AC3E}">
+        <p14:creationId xmlns:p14="http://schemas.microsoft.com/office/powerpoint/2010/main" val="1772684953"/>
+      </p:ext>
+    </p:extLst>
+  </p:cSld>
+  <p:clrMapOvr>
+    <a:masterClrMapping/>
+  </p:clrMapOvr>
+</p:notes>
+</file>
+
+<file path=ppt/notesSlides/notesSlide5.xml><?xml version="1.0" encoding="utf-8"?>
+<p:notes xmlns:a="http://schemas.openxmlformats.org/drawingml/2006/main" xmlns:r="http://schemas.openxmlformats.org/officeDocument/2006/relationships" xmlns:p="http://schemas.openxmlformats.org/presentationml/2006/main">
+  <p:cSld>
+    <p:spTree>
+      <p:nvGrpSpPr>
+        <p:cNvPr id="1" name=""/>
+        <p:cNvGrpSpPr/>
+        <p:nvPr/>
+      </p:nvGrpSpPr>
+      <p:grpSpPr>
+        <a:xfrm>
+          <a:off x="0" y="0"/>
+          <a:ext cx="0" cy="0"/>
+          <a:chOff x="0" y="0"/>
+          <a:chExt cx="0" cy="0"/>
+        </a:xfrm>
+      </p:grpSpPr>
+      <p:sp>
+        <p:nvSpPr>
+          <p:cNvPr id="2" name="Diakép helye 1"/>
+          <p:cNvSpPr>
+            <a:spLocks noGrp="1" noRot="1" noChangeAspect="1"/>
+          </p:cNvSpPr>
+          <p:nvPr>
+            <p:ph type="sldImg"/>
+          </p:nvPr>
+        </p:nvSpPr>
+        <p:spPr/>
+      </p:sp>
+      <p:sp>
+        <p:nvSpPr>
+          <p:cNvPr id="3" name="Jegyzetek helye 2"/>
+          <p:cNvSpPr>
+            <a:spLocks noGrp="1"/>
+          </p:cNvSpPr>
+          <p:nvPr>
+            <p:ph type="body" idx="1"/>
+          </p:nvPr>
+        </p:nvSpPr>
+        <p:spPr/>
+        <p:txBody>
+          <a:bodyPr/>
+          <a:lstStyle/>
+          <a:p>
+            <a:r>
+              <a:rPr lang="hu-HU" dirty="0" smtClean="0"/>
+              <a:t>A webalkalmazáson</a:t>
+            </a:r>
+            <a:r>
+              <a:rPr lang="hu-HU" baseline="0" dirty="0" smtClean="0"/>
+              <a:t> keresztül tud gépjárművet foglalni és lemondani azt és a saját profilját kezelni</a:t>
+            </a:r>
+            <a:r>
+              <a:rPr lang="hu-HU" dirty="0" smtClean="0"/>
+              <a:t>. Webalkalmazásba</a:t>
+            </a:r>
+            <a:r>
+              <a:rPr lang="hu-HU" baseline="0" dirty="0" smtClean="0"/>
+              <a:t> bárki tud fiókot létrehozni </a:t>
+            </a:r>
+            <a:r>
+              <a:rPr lang="hu-HU" baseline="0" dirty="0" err="1" smtClean="0"/>
+              <a:t>user</a:t>
+            </a:r>
+            <a:r>
+              <a:rPr lang="hu-HU" baseline="0" dirty="0" smtClean="0"/>
+              <a:t> jogosultsággal.</a:t>
+            </a:r>
+          </a:p>
+          <a:p>
+            <a:endParaRPr lang="hu-HU" baseline="0" dirty="0" smtClean="0"/>
+          </a:p>
+          <a:p>
+            <a:r>
+              <a:rPr lang="hu-HU" baseline="0" dirty="0" smtClean="0"/>
+              <a:t>A java alkalmazás a dolgozók számára jött létre mivel itt tudják elvégezni az adminisztrációs  folyamatokat. Itt nem lehet fiókot regisztrálni , Regisztrálni mindenféleképpen a webalkalmazásban kell . Aki </a:t>
+            </a:r>
+            <a:r>
+              <a:rPr lang="hu-HU" baseline="0" dirty="0" err="1" smtClean="0"/>
+              <a:t>admin</a:t>
+            </a:r>
+            <a:r>
+              <a:rPr lang="hu-HU" baseline="0" dirty="0" smtClean="0"/>
+              <a:t> jogosultsággal rendelkezik az tudja kezelni a felhasználókat illetve </a:t>
+            </a:r>
+            <a:r>
+              <a:rPr lang="hu-HU" baseline="0" smtClean="0"/>
+              <a:t>az üzeneteket.</a:t>
+            </a:r>
+            <a:endParaRPr lang="hu-HU" dirty="0"/>
+          </a:p>
+        </p:txBody>
+      </p:sp>
+      <p:sp>
+        <p:nvSpPr>
+          <p:cNvPr id="4" name="Dia számának helye 3"/>
+          <p:cNvSpPr>
+            <a:spLocks noGrp="1"/>
+          </p:cNvSpPr>
+          <p:nvPr>
+            <p:ph type="sldNum" sz="quarter" idx="10"/>
+          </p:nvPr>
+        </p:nvSpPr>
+        <p:spPr/>
+        <p:txBody>
+          <a:bodyPr/>
+          <a:lstStyle/>
+          <a:p>
+            <a:fld id="{3C0E172F-5828-4ACE-8474-08765021FC61}" type="slidenum">
+              <a:rPr lang="hu-HU" smtClean="0"/>
+              <a:t>5</a:t>
+            </a:fld>
+            <a:endParaRPr lang="hu-HU"/>
+          </a:p>
+        </p:txBody>
+      </p:sp>
+    </p:spTree>
+    <p:extLst>
+      <p:ext uri="{BB962C8B-B14F-4D97-AF65-F5344CB8AC3E}">
+        <p14:creationId xmlns:p14="http://schemas.microsoft.com/office/powerpoint/2010/main" val="3044153648"/>
       </p:ext>
     </p:extLst>
   </p:cSld>
@@ -823,7 +1505,7 @@
           <a:noFill/>
           <a:extLst>
             <a:ext uri="{909E8E84-426E-40dd-AFC4-6F175D3DCCD1}">
-              <a14:hiddenFill xmlns:a14="http://schemas.microsoft.com/office/drawing/2010/main" xmlns="">
+              <a14:hiddenFill xmlns="" xmlns:a14="http://schemas.microsoft.com/office/drawing/2010/main">
                 <a:solidFill>
                   <a:srgbClr val="FFFFFF"/>
                 </a:solidFill>
@@ -883,7 +1565,7 @@
             </a:ln>
             <a:extLst>
               <a:ext uri="{91240B29-F687-4f45-9708-019B960494DF}">
-                <a14:hiddenLine xmlns:a14="http://schemas.microsoft.com/office/drawing/2010/main" xmlns="" w="9525">
+                <a14:hiddenLine xmlns="" xmlns:a14="http://schemas.microsoft.com/office/drawing/2010/main" w="9525">
                   <a:solidFill>
                     <a:srgbClr val="000000"/>
                   </a:solidFill>
@@ -973,7 +1655,7 @@
             </a:ln>
             <a:extLst>
               <a:ext uri="{91240B29-F687-4f45-9708-019B960494DF}">
-                <a14:hiddenLine xmlns:a14="http://schemas.microsoft.com/office/drawing/2010/main" xmlns="" w="9525">
+                <a14:hiddenLine xmlns="" xmlns:a14="http://schemas.microsoft.com/office/drawing/2010/main" w="9525">
                   <a:solidFill>
                     <a:srgbClr val="000000"/>
                   </a:solidFill>
@@ -1063,7 +1745,7 @@
             </a:ln>
             <a:extLst>
               <a:ext uri="{91240B29-F687-4f45-9708-019B960494DF}">
-                <a14:hiddenLine xmlns:a14="http://schemas.microsoft.com/office/drawing/2010/main" xmlns="" w="9525">
+                <a14:hiddenLine xmlns="" xmlns:a14="http://schemas.microsoft.com/office/drawing/2010/main" w="9525">
                   <a:solidFill>
                     <a:srgbClr val="000000"/>
                   </a:solidFill>
@@ -1097,7 +1779,7 @@
             </a:ln>
             <a:extLst>
               <a:ext uri="{91240B29-F687-4f45-9708-019B960494DF}">
-                <a14:hiddenLine xmlns:a14="http://schemas.microsoft.com/office/drawing/2010/main" xmlns="" w="9525">
+                <a14:hiddenLine xmlns="" xmlns:a14="http://schemas.microsoft.com/office/drawing/2010/main" w="9525">
                   <a:solidFill>
                     <a:srgbClr val="000000"/>
                   </a:solidFill>
@@ -1187,7 +1869,7 @@
             </a:ln>
             <a:extLst>
               <a:ext uri="{91240B29-F687-4f45-9708-019B960494DF}">
-                <a14:hiddenLine xmlns:a14="http://schemas.microsoft.com/office/drawing/2010/main" xmlns="" w="9525">
+                <a14:hiddenLine xmlns="" xmlns:a14="http://schemas.microsoft.com/office/drawing/2010/main" w="9525">
                   <a:solidFill>
                     <a:srgbClr val="000000"/>
                   </a:solidFill>
@@ -1249,7 +1931,7 @@
             </a:ln>
             <a:extLst>
               <a:ext uri="{91240B29-F687-4f45-9708-019B960494DF}">
-                <a14:hiddenLine xmlns:a14="http://schemas.microsoft.com/office/drawing/2010/main" xmlns="" w="9525">
+                <a14:hiddenLine xmlns="" xmlns:a14="http://schemas.microsoft.com/office/drawing/2010/main" w="9525">
                   <a:solidFill>
                     <a:srgbClr val="000000"/>
                   </a:solidFill>
@@ -1311,7 +1993,7 @@
             </a:ln>
             <a:extLst>
               <a:ext uri="{91240B29-F687-4f45-9708-019B960494DF}">
-                <a14:hiddenLine xmlns:a14="http://schemas.microsoft.com/office/drawing/2010/main" xmlns="" w="9525">
+                <a14:hiddenLine xmlns="" xmlns:a14="http://schemas.microsoft.com/office/drawing/2010/main" w="9525">
                   <a:solidFill>
                     <a:srgbClr val="000000"/>
                   </a:solidFill>
@@ -1401,7 +2083,7 @@
             </a:ln>
             <a:extLst>
               <a:ext uri="{91240B29-F687-4f45-9708-019B960494DF}">
-                <a14:hiddenLine xmlns:a14="http://schemas.microsoft.com/office/drawing/2010/main" xmlns="" w="9525">
+                <a14:hiddenLine xmlns="" xmlns:a14="http://schemas.microsoft.com/office/drawing/2010/main" w="9525">
                   <a:solidFill>
                     <a:srgbClr val="000000"/>
                   </a:solidFill>
@@ -1463,7 +2145,7 @@
             </a:ln>
             <a:extLst>
               <a:ext uri="{91240B29-F687-4f45-9708-019B960494DF}">
-                <a14:hiddenLine xmlns:a14="http://schemas.microsoft.com/office/drawing/2010/main" xmlns="" w="9525">
+                <a14:hiddenLine xmlns="" xmlns:a14="http://schemas.microsoft.com/office/drawing/2010/main" w="9525">
                   <a:solidFill>
                     <a:srgbClr val="000000"/>
                   </a:solidFill>
@@ -1525,7 +2207,7 @@
             </a:ln>
             <a:extLst>
               <a:ext uri="{91240B29-F687-4f45-9708-019B960494DF}">
-                <a14:hiddenLine xmlns:a14="http://schemas.microsoft.com/office/drawing/2010/main" xmlns="" w="9525">
+                <a14:hiddenLine xmlns="" xmlns:a14="http://schemas.microsoft.com/office/drawing/2010/main" w="9525">
                   <a:solidFill>
                     <a:srgbClr val="000000"/>
                   </a:solidFill>
@@ -1615,7 +2297,7 @@
             </a:ln>
             <a:extLst>
               <a:ext uri="{91240B29-F687-4f45-9708-019B960494DF}">
-                <a14:hiddenLine xmlns:a14="http://schemas.microsoft.com/office/drawing/2010/main" xmlns="" w="9525">
+                <a14:hiddenLine xmlns="" xmlns:a14="http://schemas.microsoft.com/office/drawing/2010/main" w="9525">
                   <a:solidFill>
                     <a:srgbClr val="000000"/>
                   </a:solidFill>
@@ -1705,7 +2387,7 @@
             </a:ln>
             <a:extLst>
               <a:ext uri="{91240B29-F687-4f45-9708-019B960494DF}">
-                <a14:hiddenLine xmlns:a14="http://schemas.microsoft.com/office/drawing/2010/main" xmlns="" w="9525">
+                <a14:hiddenLine xmlns="" xmlns:a14="http://schemas.microsoft.com/office/drawing/2010/main" w="9525">
                   <a:solidFill>
                     <a:srgbClr val="000000"/>
                   </a:solidFill>
@@ -1767,7 +2449,7 @@
             </a:ln>
             <a:extLst>
               <a:ext uri="{91240B29-F687-4f45-9708-019B960494DF}">
-                <a14:hiddenLine xmlns:a14="http://schemas.microsoft.com/office/drawing/2010/main" xmlns="" w="9525">
+                <a14:hiddenLine xmlns="" xmlns:a14="http://schemas.microsoft.com/office/drawing/2010/main" w="9525">
                   <a:solidFill>
                     <a:srgbClr val="000000"/>
                   </a:solidFill>
@@ -1877,7 +2559,7 @@
             </a:ln>
             <a:extLst>
               <a:ext uri="{91240B29-F687-4f45-9708-019B960494DF}">
-                <a14:hiddenLine xmlns:a14="http://schemas.microsoft.com/office/drawing/2010/main" xmlns="" w="9525">
+                <a14:hiddenLine xmlns="" xmlns:a14="http://schemas.microsoft.com/office/drawing/2010/main" w="9525">
                   <a:solidFill>
                     <a:srgbClr val="000000"/>
                   </a:solidFill>
@@ -1939,7 +2621,7 @@
             </a:ln>
             <a:extLst>
               <a:ext uri="{91240B29-F687-4f45-9708-019B960494DF}">
-                <a14:hiddenLine xmlns:a14="http://schemas.microsoft.com/office/drawing/2010/main" xmlns="" w="9525">
+                <a14:hiddenLine xmlns="" xmlns:a14="http://schemas.microsoft.com/office/drawing/2010/main" w="9525">
                   <a:solidFill>
                     <a:srgbClr val="000000"/>
                   </a:solidFill>
@@ -2029,7 +2711,7 @@
             </a:ln>
             <a:extLst>
               <a:ext uri="{91240B29-F687-4f45-9708-019B960494DF}">
-                <a14:hiddenLine xmlns:a14="http://schemas.microsoft.com/office/drawing/2010/main" xmlns="" w="9525">
+                <a14:hiddenLine xmlns="" xmlns:a14="http://schemas.microsoft.com/office/drawing/2010/main" w="9525">
                   <a:solidFill>
                     <a:srgbClr val="000000"/>
                   </a:solidFill>
@@ -2119,7 +2801,7 @@
             </a:ln>
             <a:extLst>
               <a:ext uri="{91240B29-F687-4f45-9708-019B960494DF}">
-                <a14:hiddenLine xmlns:a14="http://schemas.microsoft.com/office/drawing/2010/main" xmlns="" w="9525">
+                <a14:hiddenLine xmlns="" xmlns:a14="http://schemas.microsoft.com/office/drawing/2010/main" w="9525">
                   <a:solidFill>
                     <a:srgbClr val="000000"/>
                   </a:solidFill>
@@ -2181,7 +2863,7 @@
             </a:ln>
             <a:extLst>
               <a:ext uri="{91240B29-F687-4f45-9708-019B960494DF}">
-                <a14:hiddenLine xmlns:a14="http://schemas.microsoft.com/office/drawing/2010/main" xmlns="" w="9525">
+                <a14:hiddenLine xmlns="" xmlns:a14="http://schemas.microsoft.com/office/drawing/2010/main" w="9525">
                   <a:solidFill>
                     <a:srgbClr val="000000"/>
                   </a:solidFill>
@@ -2271,7 +2953,7 @@
             </a:ln>
             <a:extLst>
               <a:ext uri="{91240B29-F687-4f45-9708-019B960494DF}">
-                <a14:hiddenLine xmlns:a14="http://schemas.microsoft.com/office/drawing/2010/main" xmlns="" w="9525">
+                <a14:hiddenLine xmlns="" xmlns:a14="http://schemas.microsoft.com/office/drawing/2010/main" w="9525">
                   <a:solidFill>
                     <a:srgbClr val="000000"/>
                   </a:solidFill>
@@ -2361,7 +3043,7 @@
             </a:ln>
             <a:extLst>
               <a:ext uri="{91240B29-F687-4f45-9708-019B960494DF}">
-                <a14:hiddenLine xmlns:a14="http://schemas.microsoft.com/office/drawing/2010/main" xmlns="" w="9525">
+                <a14:hiddenLine xmlns="" xmlns:a14="http://schemas.microsoft.com/office/drawing/2010/main" w="9525">
                   <a:solidFill>
                     <a:srgbClr val="000000"/>
                   </a:solidFill>
@@ -2417,7 +3099,7 @@
             </a:ln>
             <a:extLst>
               <a:ext uri="{91240B29-F687-4f45-9708-019B960494DF}">
-                <a14:hiddenLine xmlns:a14="http://schemas.microsoft.com/office/drawing/2010/main" xmlns="" w="9525">
+                <a14:hiddenLine xmlns="" xmlns:a14="http://schemas.microsoft.com/office/drawing/2010/main" w="9525">
                   <a:solidFill>
                     <a:srgbClr val="000000"/>
                   </a:solidFill>
@@ -2507,7 +3189,7 @@
             </a:ln>
             <a:extLst>
               <a:ext uri="{91240B29-F687-4f45-9708-019B960494DF}">
-                <a14:hiddenLine xmlns:a14="http://schemas.microsoft.com/office/drawing/2010/main" xmlns="" w="9525">
+                <a14:hiddenLine xmlns="" xmlns:a14="http://schemas.microsoft.com/office/drawing/2010/main" w="9525">
                   <a:solidFill>
                     <a:srgbClr val="000000"/>
                   </a:solidFill>
@@ -2563,7 +3245,7 @@
             </a:ln>
             <a:extLst>
               <a:ext uri="{91240B29-F687-4f45-9708-019B960494DF}">
-                <a14:hiddenLine xmlns:a14="http://schemas.microsoft.com/office/drawing/2010/main" xmlns="" w="9525">
+                <a14:hiddenLine xmlns="" xmlns:a14="http://schemas.microsoft.com/office/drawing/2010/main" w="9525">
                   <a:solidFill>
                     <a:srgbClr val="000000"/>
                   </a:solidFill>
@@ -2653,7 +3335,7 @@
             </a:ln>
             <a:extLst>
               <a:ext uri="{91240B29-F687-4f45-9708-019B960494DF}">
-                <a14:hiddenLine xmlns:a14="http://schemas.microsoft.com/office/drawing/2010/main" xmlns="" w="9525">
+                <a14:hiddenLine xmlns="" xmlns:a14="http://schemas.microsoft.com/office/drawing/2010/main" w="9525">
                   <a:solidFill>
                     <a:srgbClr val="000000"/>
                   </a:solidFill>
@@ -2721,7 +3403,7 @@
             </a:ln>
             <a:extLst>
               <a:ext uri="{91240B29-F687-4f45-9708-019B960494DF}">
-                <a14:hiddenLine xmlns:a14="http://schemas.microsoft.com/office/drawing/2010/main" xmlns="" w="9525">
+                <a14:hiddenLine xmlns="" xmlns:a14="http://schemas.microsoft.com/office/drawing/2010/main" w="9525">
                   <a:solidFill>
                     <a:srgbClr val="000000"/>
                   </a:solidFill>
@@ -2811,7 +3493,7 @@
             </a:ln>
             <a:extLst>
               <a:ext uri="{91240B29-F687-4f45-9708-019B960494DF}">
-                <a14:hiddenLine xmlns:a14="http://schemas.microsoft.com/office/drawing/2010/main" xmlns="" w="9525">
+                <a14:hiddenLine xmlns="" xmlns:a14="http://schemas.microsoft.com/office/drawing/2010/main" w="9525">
                   <a:solidFill>
                     <a:srgbClr val="000000"/>
                   </a:solidFill>
@@ -2879,7 +3561,7 @@
             </a:ln>
             <a:extLst>
               <a:ext uri="{91240B29-F687-4f45-9708-019B960494DF}">
-                <a14:hiddenLine xmlns:a14="http://schemas.microsoft.com/office/drawing/2010/main" xmlns="" w="9525">
+                <a14:hiddenLine xmlns="" xmlns:a14="http://schemas.microsoft.com/office/drawing/2010/main" w="9525">
                   <a:solidFill>
                     <a:srgbClr val="000000"/>
                   </a:solidFill>
@@ -2969,7 +3651,7 @@
             </a:ln>
             <a:extLst>
               <a:ext uri="{91240B29-F687-4f45-9708-019B960494DF}">
-                <a14:hiddenLine xmlns:a14="http://schemas.microsoft.com/office/drawing/2010/main" xmlns="" w="9525">
+                <a14:hiddenLine xmlns="" xmlns:a14="http://schemas.microsoft.com/office/drawing/2010/main" w="9525">
                   <a:solidFill>
                     <a:srgbClr val="000000"/>
                   </a:solidFill>
@@ -3003,7 +3685,7 @@
             </a:ln>
             <a:extLst>
               <a:ext uri="{91240B29-F687-4f45-9708-019B960494DF}">
-                <a14:hiddenLine xmlns:a14="http://schemas.microsoft.com/office/drawing/2010/main" xmlns="" w="9525">
+                <a14:hiddenLine xmlns="" xmlns:a14="http://schemas.microsoft.com/office/drawing/2010/main" w="9525">
                   <a:solidFill>
                     <a:srgbClr val="000000"/>
                   </a:solidFill>
@@ -3093,7 +3775,7 @@
             </a:ln>
             <a:extLst>
               <a:ext uri="{91240B29-F687-4f45-9708-019B960494DF}">
-                <a14:hiddenLine xmlns:a14="http://schemas.microsoft.com/office/drawing/2010/main" xmlns="" w="9525">
+                <a14:hiddenLine xmlns="" xmlns:a14="http://schemas.microsoft.com/office/drawing/2010/main" w="9525">
                   <a:solidFill>
                     <a:srgbClr val="000000"/>
                   </a:solidFill>
@@ -3155,7 +3837,7 @@
             </a:ln>
             <a:extLst>
               <a:ext uri="{91240B29-F687-4f45-9708-019B960494DF}">
-                <a14:hiddenLine xmlns:a14="http://schemas.microsoft.com/office/drawing/2010/main" xmlns="" w="9525">
+                <a14:hiddenLine xmlns="" xmlns:a14="http://schemas.microsoft.com/office/drawing/2010/main" w="9525">
                   <a:solidFill>
                     <a:srgbClr val="000000"/>
                   </a:solidFill>
@@ -3217,7 +3899,7 @@
             </a:ln>
             <a:extLst>
               <a:ext uri="{91240B29-F687-4f45-9708-019B960494DF}">
-                <a14:hiddenLine xmlns:a14="http://schemas.microsoft.com/office/drawing/2010/main" xmlns="" w="9525">
+                <a14:hiddenLine xmlns="" xmlns:a14="http://schemas.microsoft.com/office/drawing/2010/main" w="9525">
                   <a:solidFill>
                     <a:srgbClr val="000000"/>
                   </a:solidFill>
@@ -3307,7 +3989,7 @@
             </a:ln>
             <a:extLst>
               <a:ext uri="{91240B29-F687-4f45-9708-019B960494DF}">
-                <a14:hiddenLine xmlns:a14="http://schemas.microsoft.com/office/drawing/2010/main" xmlns="" w="9525">
+                <a14:hiddenLine xmlns="" xmlns:a14="http://schemas.microsoft.com/office/drawing/2010/main" w="9525">
                   <a:solidFill>
                     <a:srgbClr val="000000"/>
                   </a:solidFill>
@@ -3375,7 +4057,7 @@
             </a:ln>
             <a:extLst>
               <a:ext uri="{91240B29-F687-4f45-9708-019B960494DF}">
-                <a14:hiddenLine xmlns:a14="http://schemas.microsoft.com/office/drawing/2010/main" xmlns="" w="9525">
+                <a14:hiddenLine xmlns="" xmlns:a14="http://schemas.microsoft.com/office/drawing/2010/main" w="9525">
                   <a:solidFill>
                     <a:srgbClr val="000000"/>
                   </a:solidFill>
@@ -3437,7 +4119,7 @@
             </a:ln>
             <a:extLst>
               <a:ext uri="{91240B29-F687-4f45-9708-019B960494DF}">
-                <a14:hiddenLine xmlns:a14="http://schemas.microsoft.com/office/drawing/2010/main" xmlns="" w="9525">
+                <a14:hiddenLine xmlns="" xmlns:a14="http://schemas.microsoft.com/office/drawing/2010/main" w="9525">
                   <a:solidFill>
                     <a:srgbClr val="000000"/>
                   </a:solidFill>
@@ -3527,7 +4209,7 @@
             </a:ln>
             <a:extLst>
               <a:ext uri="{91240B29-F687-4f45-9708-019B960494DF}">
-                <a14:hiddenLine xmlns:a14="http://schemas.microsoft.com/office/drawing/2010/main" xmlns="" w="9525">
+                <a14:hiddenLine xmlns="" xmlns:a14="http://schemas.microsoft.com/office/drawing/2010/main" w="9525">
                   <a:solidFill>
                     <a:srgbClr val="000000"/>
                   </a:solidFill>
@@ -3589,7 +4271,7 @@
             </a:ln>
             <a:extLst>
               <a:ext uri="{91240B29-F687-4f45-9708-019B960494DF}">
-                <a14:hiddenLine xmlns:a14="http://schemas.microsoft.com/office/drawing/2010/main" xmlns="" w="9525">
+                <a14:hiddenLine xmlns="" xmlns:a14="http://schemas.microsoft.com/office/drawing/2010/main" w="9525">
                   <a:solidFill>
                     <a:srgbClr val="000000"/>
                   </a:solidFill>
@@ -3679,7 +4361,7 @@
             </a:ln>
             <a:extLst>
               <a:ext uri="{91240B29-F687-4f45-9708-019B960494DF}">
-                <a14:hiddenLine xmlns:a14="http://schemas.microsoft.com/office/drawing/2010/main" xmlns="" w="9525">
+                <a14:hiddenLine xmlns="" xmlns:a14="http://schemas.microsoft.com/office/drawing/2010/main" w="9525">
                   <a:solidFill>
                     <a:srgbClr val="000000"/>
                   </a:solidFill>
@@ -3741,7 +4423,7 @@
             </a:ln>
             <a:extLst>
               <a:ext uri="{91240B29-F687-4f45-9708-019B960494DF}">
-                <a14:hiddenLine xmlns:a14="http://schemas.microsoft.com/office/drawing/2010/main" xmlns="" w="9525">
+                <a14:hiddenLine xmlns="" xmlns:a14="http://schemas.microsoft.com/office/drawing/2010/main" w="9525">
                   <a:solidFill>
                     <a:srgbClr val="000000"/>
                   </a:solidFill>
@@ -3831,7 +4513,7 @@
             </a:ln>
             <a:extLst>
               <a:ext uri="{91240B29-F687-4f45-9708-019B960494DF}">
-                <a14:hiddenLine xmlns:a14="http://schemas.microsoft.com/office/drawing/2010/main" xmlns="" w="9525">
+                <a14:hiddenLine xmlns="" xmlns:a14="http://schemas.microsoft.com/office/drawing/2010/main" w="9525">
                   <a:solidFill>
                     <a:srgbClr val="000000"/>
                   </a:solidFill>
@@ -3865,7 +4547,7 @@
             </a:ln>
             <a:extLst>
               <a:ext uri="{91240B29-F687-4f45-9708-019B960494DF}">
-                <a14:hiddenLine xmlns:a14="http://schemas.microsoft.com/office/drawing/2010/main" xmlns="" w="9525">
+                <a14:hiddenLine xmlns="" xmlns:a14="http://schemas.microsoft.com/office/drawing/2010/main" w="9525">
                   <a:solidFill>
                     <a:srgbClr val="000000"/>
                   </a:solidFill>
@@ -3930,7 +4612,7 @@
             </a:ln>
             <a:extLst>
               <a:ext uri="{91240B29-F687-4f45-9708-019B960494DF}">
-                <a14:hiddenLine xmlns:a14="http://schemas.microsoft.com/office/drawing/2010/main" xmlns="" w="9525">
+                <a14:hiddenLine xmlns="" xmlns:a14="http://schemas.microsoft.com/office/drawing/2010/main" w="9525">
                   <a:solidFill>
                     <a:srgbClr val="000000"/>
                   </a:solidFill>
@@ -4020,7 +4702,7 @@
             </a:ln>
             <a:extLst>
               <a:ext uri="{91240B29-F687-4f45-9708-019B960494DF}">
-                <a14:hiddenLine xmlns:a14="http://schemas.microsoft.com/office/drawing/2010/main" xmlns="" w="9525">
+                <a14:hiddenLine xmlns="" xmlns:a14="http://schemas.microsoft.com/office/drawing/2010/main" w="9525">
                   <a:solidFill>
                     <a:srgbClr val="000000"/>
                   </a:solidFill>
@@ -4082,7 +4764,7 @@
             </a:ln>
             <a:extLst>
               <a:ext uri="{91240B29-F687-4f45-9708-019B960494DF}">
-                <a14:hiddenLine xmlns:a14="http://schemas.microsoft.com/office/drawing/2010/main" xmlns="" w="9525">
+                <a14:hiddenLine xmlns="" xmlns:a14="http://schemas.microsoft.com/office/drawing/2010/main" w="9525">
                   <a:solidFill>
                     <a:srgbClr val="000000"/>
                   </a:solidFill>
@@ -4172,7 +4854,7 @@
             </a:ln>
             <a:extLst>
               <a:ext uri="{91240B29-F687-4f45-9708-019B960494DF}">
-                <a14:hiddenLine xmlns:a14="http://schemas.microsoft.com/office/drawing/2010/main" xmlns="" w="9525">
+                <a14:hiddenLine xmlns="" xmlns:a14="http://schemas.microsoft.com/office/drawing/2010/main" w="9525">
                   <a:solidFill>
                     <a:srgbClr val="000000"/>
                   </a:solidFill>
@@ -4262,7 +4944,7 @@
             </a:ln>
             <a:extLst>
               <a:ext uri="{91240B29-F687-4f45-9708-019B960494DF}">
-                <a14:hiddenLine xmlns:a14="http://schemas.microsoft.com/office/drawing/2010/main" xmlns="" w="9525">
+                <a14:hiddenLine xmlns="" xmlns:a14="http://schemas.microsoft.com/office/drawing/2010/main" w="9525">
                   <a:solidFill>
                     <a:srgbClr val="000000"/>
                   </a:solidFill>
@@ -4327,7 +5009,7 @@
             </a:ln>
             <a:extLst>
               <a:ext uri="{91240B29-F687-4f45-9708-019B960494DF}">
-                <a14:hiddenLine xmlns:a14="http://schemas.microsoft.com/office/drawing/2010/main" xmlns="" w="9525">
+                <a14:hiddenLine xmlns="" xmlns:a14="http://schemas.microsoft.com/office/drawing/2010/main" w="9525">
                   <a:solidFill>
                     <a:srgbClr val="000000"/>
                   </a:solidFill>
@@ -4389,7 +5071,7 @@
             </a:ln>
             <a:extLst>
               <a:ext uri="{91240B29-F687-4f45-9708-019B960494DF}">
-                <a14:hiddenLine xmlns:a14="http://schemas.microsoft.com/office/drawing/2010/main" xmlns="" w="9525">
+                <a14:hiddenLine xmlns="" xmlns:a14="http://schemas.microsoft.com/office/drawing/2010/main" w="9525">
                   <a:solidFill>
                     <a:srgbClr val="000000"/>
                   </a:solidFill>
@@ -4479,7 +5161,7 @@
             </a:ln>
             <a:extLst>
               <a:ext uri="{91240B29-F687-4f45-9708-019B960494DF}">
-                <a14:hiddenLine xmlns:a14="http://schemas.microsoft.com/office/drawing/2010/main" xmlns="" w="9525">
+                <a14:hiddenLine xmlns="" xmlns:a14="http://schemas.microsoft.com/office/drawing/2010/main" w="9525">
                   <a:solidFill>
                     <a:srgbClr val="000000"/>
                   </a:solidFill>
@@ -4569,7 +5251,7 @@
             </a:ln>
             <a:extLst>
               <a:ext uri="{91240B29-F687-4f45-9708-019B960494DF}">
-                <a14:hiddenLine xmlns:a14="http://schemas.microsoft.com/office/drawing/2010/main" xmlns="" w="9525">
+                <a14:hiddenLine xmlns="" xmlns:a14="http://schemas.microsoft.com/office/drawing/2010/main" w="9525">
                   <a:solidFill>
                     <a:srgbClr val="000000"/>
                   </a:solidFill>
@@ -4631,7 +5313,7 @@
             </a:ln>
             <a:extLst>
               <a:ext uri="{91240B29-F687-4f45-9708-019B960494DF}">
-                <a14:hiddenLine xmlns:a14="http://schemas.microsoft.com/office/drawing/2010/main" xmlns="" w="9525">
+                <a14:hiddenLine xmlns="" xmlns:a14="http://schemas.microsoft.com/office/drawing/2010/main" w="9525">
                   <a:solidFill>
                     <a:srgbClr val="000000"/>
                   </a:solidFill>
@@ -4751,7 +5433,7 @@
             </a:ln>
             <a:extLst>
               <a:ext uri="{91240B29-F687-4f45-9708-019B960494DF}">
-                <a14:hiddenLine xmlns:a14="http://schemas.microsoft.com/office/drawing/2010/main" xmlns="" w="9525">
+                <a14:hiddenLine xmlns="" xmlns:a14="http://schemas.microsoft.com/office/drawing/2010/main" w="9525">
                   <a:solidFill>
                     <a:srgbClr val="000000"/>
                   </a:solidFill>
@@ -4819,7 +5501,7 @@
             </a:ln>
             <a:extLst>
               <a:ext uri="{91240B29-F687-4f45-9708-019B960494DF}">
-                <a14:hiddenLine xmlns:a14="http://schemas.microsoft.com/office/drawing/2010/main" xmlns="" w="9525">
+                <a14:hiddenLine xmlns="" xmlns:a14="http://schemas.microsoft.com/office/drawing/2010/main" w="9525">
                   <a:solidFill>
                     <a:srgbClr val="000000"/>
                   </a:solidFill>
@@ -4909,7 +5591,7 @@
             </a:ln>
             <a:extLst>
               <a:ext uri="{91240B29-F687-4f45-9708-019B960494DF}">
-                <a14:hiddenLine xmlns:a14="http://schemas.microsoft.com/office/drawing/2010/main" xmlns="" w="9525">
+                <a14:hiddenLine xmlns="" xmlns:a14="http://schemas.microsoft.com/office/drawing/2010/main" w="9525">
                   <a:solidFill>
                     <a:srgbClr val="000000"/>
                   </a:solidFill>
@@ -5049,7 +5731,7 @@
           <a:p>
             <a:fld id="{48A87A34-81AB-432B-8DAE-1953F412C126}" type="datetimeFigureOut">
               <a:rPr lang="en-US" dirty="0"/>
-              <a:t>2/15/2023</a:t>
+              <a:t>2/21/2023</a:t>
             </a:fld>
             <a:endParaRPr lang="en-US" dirty="0"/>
           </a:p>
@@ -5311,7 +5993,7 @@
           <a:p>
             <a:fld id="{48A87A34-81AB-432B-8DAE-1953F412C126}" type="datetimeFigureOut">
               <a:rPr lang="en-US" dirty="0"/>
-              <a:t>2/15/2023</a:t>
+              <a:t>2/21/2023</a:t>
             </a:fld>
             <a:endParaRPr lang="en-US" dirty="0"/>
           </a:p>
@@ -5502,7 +6184,7 @@
           <a:p>
             <a:fld id="{48A87A34-81AB-432B-8DAE-1953F412C126}" type="datetimeFigureOut">
               <a:rPr lang="en-US" dirty="0"/>
-              <a:t>2/15/2023</a:t>
+              <a:t>2/21/2023</a:t>
             </a:fld>
             <a:endParaRPr lang="en-US" dirty="0"/>
           </a:p>
@@ -5760,7 +6442,7 @@
           <a:p>
             <a:fld id="{48A87A34-81AB-432B-8DAE-1953F412C126}" type="datetimeFigureOut">
               <a:rPr lang="en-US" dirty="0"/>
-              <a:t>2/15/2023</a:t>
+              <a:t>2/21/2023</a:t>
             </a:fld>
             <a:endParaRPr lang="en-US" dirty="0"/>
           </a:p>
@@ -6189,7 +6871,7 @@
           <a:p>
             <a:fld id="{48A87A34-81AB-432B-8DAE-1953F412C126}" type="datetimeFigureOut">
               <a:rPr lang="en-US" dirty="0"/>
-              <a:t>2/15/2023</a:t>
+              <a:t>2/21/2023</a:t>
             </a:fld>
             <a:endParaRPr lang="en-US" dirty="0"/>
           </a:p>
@@ -6730,7 +7412,7 @@
           <a:p>
             <a:fld id="{48A87A34-81AB-432B-8DAE-1953F412C126}" type="datetimeFigureOut">
               <a:rPr lang="en-US" dirty="0"/>
-              <a:t>2/15/2023</a:t>
+              <a:t>2/21/2023</a:t>
             </a:fld>
             <a:endParaRPr lang="en-US" dirty="0"/>
           </a:p>
@@ -7445,7 +8127,7 @@
           <a:p>
             <a:fld id="{48A87A34-81AB-432B-8DAE-1953F412C126}" type="datetimeFigureOut">
               <a:rPr lang="en-US" dirty="0"/>
-              <a:t>2/15/2023</a:t>
+              <a:t>2/21/2023</a:t>
             </a:fld>
             <a:endParaRPr lang="en-US" dirty="0"/>
           </a:p>
@@ -7610,7 +8292,7 @@
           <a:p>
             <a:fld id="{48A87A34-81AB-432B-8DAE-1953F412C126}" type="datetimeFigureOut">
               <a:rPr lang="en-US" dirty="0"/>
-              <a:t>2/15/2023</a:t>
+              <a:t>2/21/2023</a:t>
             </a:fld>
             <a:endParaRPr lang="en-US" dirty="0"/>
           </a:p>
@@ -7785,7 +8467,7 @@
           <a:p>
             <a:fld id="{48A87A34-81AB-432B-8DAE-1953F412C126}" type="datetimeFigureOut">
               <a:rPr lang="en-US" dirty="0"/>
-              <a:t>2/15/2023</a:t>
+              <a:t>2/21/2023</a:t>
             </a:fld>
             <a:endParaRPr lang="en-US" dirty="0"/>
           </a:p>
@@ -7950,7 +8632,7 @@
           <a:p>
             <a:fld id="{48A87A34-81AB-432B-8DAE-1953F412C126}" type="datetimeFigureOut">
               <a:rPr lang="en-US" dirty="0"/>
-              <a:t>2/15/2023</a:t>
+              <a:t>2/21/2023</a:t>
             </a:fld>
             <a:endParaRPr lang="en-US" dirty="0"/>
           </a:p>
@@ -8195,7 +8877,7 @@
           <a:p>
             <a:fld id="{48A87A34-81AB-432B-8DAE-1953F412C126}" type="datetimeFigureOut">
               <a:rPr lang="en-US" dirty="0"/>
-              <a:t>2/15/2023</a:t>
+              <a:t>2/21/2023</a:t>
             </a:fld>
             <a:endParaRPr lang="en-US" dirty="0"/>
           </a:p>
@@ -8422,7 +9104,7 @@
           <a:p>
             <a:fld id="{48A87A34-81AB-432B-8DAE-1953F412C126}" type="datetimeFigureOut">
               <a:rPr lang="en-US" dirty="0"/>
-              <a:t>2/15/2023</a:t>
+              <a:t>2/21/2023</a:t>
             </a:fld>
             <a:endParaRPr lang="en-US" dirty="0"/>
           </a:p>
@@ -8798,7 +9480,7 @@
           <a:p>
             <a:fld id="{48A87A34-81AB-432B-8DAE-1953F412C126}" type="datetimeFigureOut">
               <a:rPr lang="en-US" dirty="0"/>
-              <a:t>2/15/2023</a:t>
+              <a:t>2/21/2023</a:t>
             </a:fld>
             <a:endParaRPr lang="en-US" dirty="0"/>
           </a:p>
@@ -8911,7 +9593,7 @@
           <a:p>
             <a:fld id="{48A87A34-81AB-432B-8DAE-1953F412C126}" type="datetimeFigureOut">
               <a:rPr lang="en-US" dirty="0"/>
-              <a:t>2/15/2023</a:t>
+              <a:t>2/21/2023</a:t>
             </a:fld>
             <a:endParaRPr lang="en-US" dirty="0"/>
           </a:p>
@@ -9001,7 +9683,7 @@
           <a:p>
             <a:fld id="{48A87A34-81AB-432B-8DAE-1953F412C126}" type="datetimeFigureOut">
               <a:rPr lang="en-US" dirty="0"/>
-              <a:t>2/15/2023</a:t>
+              <a:t>2/21/2023</a:t>
             </a:fld>
             <a:endParaRPr lang="en-US" dirty="0"/>
           </a:p>
@@ -9245,7 +9927,7 @@
           <a:p>
             <a:fld id="{48A87A34-81AB-432B-8DAE-1953F412C126}" type="datetimeFigureOut">
               <a:rPr lang="en-US" dirty="0"/>
-              <a:t>2/15/2023</a:t>
+              <a:t>2/21/2023</a:t>
             </a:fld>
             <a:endParaRPr lang="en-US" dirty="0"/>
           </a:p>
@@ -9520,7 +10202,7 @@
           <a:p>
             <a:fld id="{48A87A34-81AB-432B-8DAE-1953F412C126}" type="datetimeFigureOut">
               <a:rPr lang="en-US" dirty="0"/>
-              <a:t>2/15/2023</a:t>
+              <a:t>2/21/2023</a:t>
             </a:fld>
             <a:endParaRPr lang="en-US" dirty="0"/>
           </a:p>
@@ -9631,7 +10313,7 @@
           <a:noFill/>
           <a:extLst>
             <a:ext uri="{909E8E84-426E-40dd-AFC4-6F175D3DCCD1}">
-              <a14:hiddenFill xmlns:a14="http://schemas.microsoft.com/office/drawing/2010/main" xmlns="">
+              <a14:hiddenFill xmlns="" xmlns:a14="http://schemas.microsoft.com/office/drawing/2010/main">
                 <a:solidFill>
                   <a:srgbClr val="FFFFFF"/>
                 </a:solidFill>
@@ -9705,7 +10387,7 @@
               </a:ln>
               <a:extLst>
                 <a:ext uri="{91240B29-F687-4f45-9708-019B960494DF}">
-                  <a14:hiddenLine xmlns:a14="http://schemas.microsoft.com/office/drawing/2010/main" xmlns="" w="9525">
+                  <a14:hiddenLine xmlns="" xmlns:a14="http://schemas.microsoft.com/office/drawing/2010/main" w="9525">
                     <a:solidFill>
                       <a:srgbClr val="000000"/>
                     </a:solidFill>
@@ -9795,7 +10477,7 @@
               </a:ln>
               <a:extLst>
                 <a:ext uri="{91240B29-F687-4f45-9708-019B960494DF}">
-                  <a14:hiddenLine xmlns:a14="http://schemas.microsoft.com/office/drawing/2010/main" xmlns="" w="9525">
+                  <a14:hiddenLine xmlns="" xmlns:a14="http://schemas.microsoft.com/office/drawing/2010/main" w="9525">
                     <a:solidFill>
                       <a:srgbClr val="000000"/>
                     </a:solidFill>
@@ -9885,7 +10567,7 @@
               </a:ln>
               <a:extLst>
                 <a:ext uri="{91240B29-F687-4f45-9708-019B960494DF}">
-                  <a14:hiddenLine xmlns:a14="http://schemas.microsoft.com/office/drawing/2010/main" xmlns="" w="9525">
+                  <a14:hiddenLine xmlns="" xmlns:a14="http://schemas.microsoft.com/office/drawing/2010/main" w="9525">
                     <a:solidFill>
                       <a:srgbClr val="000000"/>
                     </a:solidFill>
@@ -9947,7 +10629,7 @@
               </a:ln>
               <a:extLst>
                 <a:ext uri="{91240B29-F687-4f45-9708-019B960494DF}">
-                  <a14:hiddenLine xmlns:a14="http://schemas.microsoft.com/office/drawing/2010/main" xmlns="" w="9525">
+                  <a14:hiddenLine xmlns="" xmlns:a14="http://schemas.microsoft.com/office/drawing/2010/main" w="9525">
                     <a:solidFill>
                       <a:srgbClr val="000000"/>
                     </a:solidFill>
@@ -10037,7 +10719,7 @@
               </a:ln>
               <a:extLst>
                 <a:ext uri="{91240B29-F687-4f45-9708-019B960494DF}">
-                  <a14:hiddenLine xmlns:a14="http://schemas.microsoft.com/office/drawing/2010/main" xmlns="" w="9525">
+                  <a14:hiddenLine xmlns="" xmlns:a14="http://schemas.microsoft.com/office/drawing/2010/main" w="9525">
                     <a:solidFill>
                       <a:srgbClr val="000000"/>
                     </a:solidFill>
@@ -10099,7 +10781,7 @@
               </a:ln>
               <a:extLst>
                 <a:ext uri="{91240B29-F687-4f45-9708-019B960494DF}">
-                  <a14:hiddenLine xmlns:a14="http://schemas.microsoft.com/office/drawing/2010/main" xmlns="" w="9525">
+                  <a14:hiddenLine xmlns="" xmlns:a14="http://schemas.microsoft.com/office/drawing/2010/main" w="9525">
                     <a:solidFill>
                       <a:srgbClr val="000000"/>
                     </a:solidFill>
@@ -10161,7 +10843,7 @@
               </a:ln>
               <a:extLst>
                 <a:ext uri="{91240B29-F687-4f45-9708-019B960494DF}">
-                  <a14:hiddenLine xmlns:a14="http://schemas.microsoft.com/office/drawing/2010/main" xmlns="" w="9525">
+                  <a14:hiddenLine xmlns="" xmlns:a14="http://schemas.microsoft.com/office/drawing/2010/main" w="9525">
                     <a:solidFill>
                       <a:srgbClr val="000000"/>
                     </a:solidFill>
@@ -10251,7 +10933,7 @@
               </a:ln>
               <a:extLst>
                 <a:ext uri="{91240B29-F687-4f45-9708-019B960494DF}">
-                  <a14:hiddenLine xmlns:a14="http://schemas.microsoft.com/office/drawing/2010/main" xmlns="" w="9525">
+                  <a14:hiddenLine xmlns="" xmlns:a14="http://schemas.microsoft.com/office/drawing/2010/main" w="9525">
                     <a:solidFill>
                       <a:srgbClr val="000000"/>
                     </a:solidFill>
@@ -10341,7 +11023,7 @@
               </a:ln>
               <a:extLst>
                 <a:ext uri="{91240B29-F687-4f45-9708-019B960494DF}">
-                  <a14:hiddenLine xmlns:a14="http://schemas.microsoft.com/office/drawing/2010/main" xmlns="" w="9525">
+                  <a14:hiddenLine xmlns="" xmlns:a14="http://schemas.microsoft.com/office/drawing/2010/main" w="9525">
                     <a:solidFill>
                       <a:srgbClr val="000000"/>
                     </a:solidFill>
@@ -10403,7 +11085,7 @@
               </a:ln>
               <a:extLst>
                 <a:ext uri="{91240B29-F687-4f45-9708-019B960494DF}">
-                  <a14:hiddenLine xmlns:a14="http://schemas.microsoft.com/office/drawing/2010/main" xmlns="" w="9525">
+                  <a14:hiddenLine xmlns="" xmlns:a14="http://schemas.microsoft.com/office/drawing/2010/main" w="9525">
                     <a:solidFill>
                       <a:srgbClr val="000000"/>
                     </a:solidFill>
@@ -10513,7 +11195,7 @@
               </a:ln>
               <a:extLst>
                 <a:ext uri="{91240B29-F687-4f45-9708-019B960494DF}">
-                  <a14:hiddenLine xmlns:a14="http://schemas.microsoft.com/office/drawing/2010/main" xmlns="" w="9525">
+                  <a14:hiddenLine xmlns="" xmlns:a14="http://schemas.microsoft.com/office/drawing/2010/main" w="9525">
                     <a:solidFill>
                       <a:srgbClr val="000000"/>
                     </a:solidFill>
@@ -10597,7 +11279,7 @@
               </a:ln>
               <a:extLst>
                 <a:ext uri="{91240B29-F687-4f45-9708-019B960494DF}">
-                  <a14:hiddenLine xmlns:a14="http://schemas.microsoft.com/office/drawing/2010/main" xmlns="" w="9525">
+                  <a14:hiddenLine xmlns="" xmlns:a14="http://schemas.microsoft.com/office/drawing/2010/main" w="9525">
                     <a:solidFill>
                       <a:srgbClr val="000000"/>
                     </a:solidFill>
@@ -10659,7 +11341,7 @@
               </a:ln>
               <a:extLst>
                 <a:ext uri="{91240B29-F687-4f45-9708-019B960494DF}">
-                  <a14:hiddenLine xmlns:a14="http://schemas.microsoft.com/office/drawing/2010/main" xmlns="" w="9525">
+                  <a14:hiddenLine xmlns="" xmlns:a14="http://schemas.microsoft.com/office/drawing/2010/main" w="9525">
                     <a:solidFill>
                       <a:srgbClr val="000000"/>
                     </a:solidFill>
@@ -10721,7 +11403,7 @@
               </a:ln>
               <a:extLst>
                 <a:ext uri="{91240B29-F687-4f45-9708-019B960494DF}">
-                  <a14:hiddenLine xmlns:a14="http://schemas.microsoft.com/office/drawing/2010/main" xmlns="" w="9525">
+                  <a14:hiddenLine xmlns="" xmlns:a14="http://schemas.microsoft.com/office/drawing/2010/main" w="9525">
                     <a:solidFill>
                       <a:srgbClr val="000000"/>
                     </a:solidFill>
@@ -10811,7 +11493,7 @@
               </a:ln>
               <a:extLst>
                 <a:ext uri="{91240B29-F687-4f45-9708-019B960494DF}">
-                  <a14:hiddenLine xmlns:a14="http://schemas.microsoft.com/office/drawing/2010/main" xmlns="" w="9525">
+                  <a14:hiddenLine xmlns="" xmlns:a14="http://schemas.microsoft.com/office/drawing/2010/main" w="9525">
                     <a:solidFill>
                       <a:srgbClr val="000000"/>
                     </a:solidFill>
@@ -10845,7 +11527,7 @@
               </a:ln>
               <a:extLst>
                 <a:ext uri="{91240B29-F687-4f45-9708-019B960494DF}">
-                  <a14:hiddenLine xmlns:a14="http://schemas.microsoft.com/office/drawing/2010/main" xmlns="" w="9525">
+                  <a14:hiddenLine xmlns="" xmlns:a14="http://schemas.microsoft.com/office/drawing/2010/main" w="9525">
                     <a:solidFill>
                       <a:srgbClr val="000000"/>
                     </a:solidFill>
@@ -10910,7 +11592,7 @@
               </a:ln>
               <a:extLst>
                 <a:ext uri="{91240B29-F687-4f45-9708-019B960494DF}">
-                  <a14:hiddenLine xmlns:a14="http://schemas.microsoft.com/office/drawing/2010/main" xmlns="" w="9525">
+                  <a14:hiddenLine xmlns="" xmlns:a14="http://schemas.microsoft.com/office/drawing/2010/main" w="9525">
                     <a:solidFill>
                       <a:srgbClr val="000000"/>
                     </a:solidFill>
@@ -11000,7 +11682,7 @@
               </a:ln>
               <a:extLst>
                 <a:ext uri="{91240B29-F687-4f45-9708-019B960494DF}">
-                  <a14:hiddenLine xmlns:a14="http://schemas.microsoft.com/office/drawing/2010/main" xmlns="" w="9525">
+                  <a14:hiddenLine xmlns="" xmlns:a14="http://schemas.microsoft.com/office/drawing/2010/main" w="9525">
                     <a:solidFill>
                       <a:srgbClr val="000000"/>
                     </a:solidFill>
@@ -11062,7 +11744,7 @@
               </a:ln>
               <a:extLst>
                 <a:ext uri="{91240B29-F687-4f45-9708-019B960494DF}">
-                  <a14:hiddenLine xmlns:a14="http://schemas.microsoft.com/office/drawing/2010/main" xmlns="" w="9525">
+                  <a14:hiddenLine xmlns="" xmlns:a14="http://schemas.microsoft.com/office/drawing/2010/main" w="9525">
                     <a:solidFill>
                       <a:srgbClr val="000000"/>
                     </a:solidFill>
@@ -11152,7 +11834,7 @@
               </a:ln>
               <a:extLst>
                 <a:ext uri="{91240B29-F687-4f45-9708-019B960494DF}">
-                  <a14:hiddenLine xmlns:a14="http://schemas.microsoft.com/office/drawing/2010/main" xmlns="" w="9525">
+                  <a14:hiddenLine xmlns="" xmlns:a14="http://schemas.microsoft.com/office/drawing/2010/main" w="9525">
                     <a:solidFill>
                       <a:srgbClr val="000000"/>
                     </a:solidFill>
@@ -11217,7 +11899,7 @@
               </a:ln>
               <a:extLst>
                 <a:ext uri="{91240B29-F687-4f45-9708-019B960494DF}">
-                  <a14:hiddenLine xmlns:a14="http://schemas.microsoft.com/office/drawing/2010/main" xmlns="" w="9525">
+                  <a14:hiddenLine xmlns="" xmlns:a14="http://schemas.microsoft.com/office/drawing/2010/main" w="9525">
                     <a:solidFill>
                       <a:srgbClr val="000000"/>
                     </a:solidFill>
@@ -11279,7 +11961,7 @@
               </a:ln>
               <a:extLst>
                 <a:ext uri="{91240B29-F687-4f45-9708-019B960494DF}">
-                  <a14:hiddenLine xmlns:a14="http://schemas.microsoft.com/office/drawing/2010/main" xmlns="" w="9525">
+                  <a14:hiddenLine xmlns="" xmlns:a14="http://schemas.microsoft.com/office/drawing/2010/main" w="9525">
                     <a:solidFill>
                       <a:srgbClr val="000000"/>
                     </a:solidFill>
@@ -11369,7 +12051,7 @@
               </a:ln>
               <a:extLst>
                 <a:ext uri="{91240B29-F687-4f45-9708-019B960494DF}">
-                  <a14:hiddenLine xmlns:a14="http://schemas.microsoft.com/office/drawing/2010/main" xmlns="" w="9525">
+                  <a14:hiddenLine xmlns="" xmlns:a14="http://schemas.microsoft.com/office/drawing/2010/main" w="9525">
                     <a:solidFill>
                       <a:srgbClr val="000000"/>
                     </a:solidFill>
@@ -11459,7 +12141,7 @@
               </a:ln>
               <a:extLst>
                 <a:ext uri="{91240B29-F687-4f45-9708-019B960494DF}">
-                  <a14:hiddenLine xmlns:a14="http://schemas.microsoft.com/office/drawing/2010/main" xmlns="" w="9525">
+                  <a14:hiddenLine xmlns="" xmlns:a14="http://schemas.microsoft.com/office/drawing/2010/main" w="9525">
                     <a:solidFill>
                       <a:srgbClr val="000000"/>
                     </a:solidFill>
@@ -11524,7 +12206,7 @@
               </a:ln>
               <a:extLst>
                 <a:ext uri="{91240B29-F687-4f45-9708-019B960494DF}">
-                  <a14:hiddenLine xmlns:a14="http://schemas.microsoft.com/office/drawing/2010/main" xmlns="" w="9525">
+                  <a14:hiddenLine xmlns="" xmlns:a14="http://schemas.microsoft.com/office/drawing/2010/main" w="9525">
                     <a:solidFill>
                       <a:srgbClr val="000000"/>
                     </a:solidFill>
@@ -11644,7 +12326,7 @@
               </a:ln>
               <a:extLst>
                 <a:ext uri="{91240B29-F687-4f45-9708-019B960494DF}">
-                  <a14:hiddenLine xmlns:a14="http://schemas.microsoft.com/office/drawing/2010/main" xmlns="" w="9525">
+                  <a14:hiddenLine xmlns="" xmlns:a14="http://schemas.microsoft.com/office/drawing/2010/main" w="9525">
                     <a:solidFill>
                       <a:srgbClr val="000000"/>
                     </a:solidFill>
@@ -11742,7 +12424,7 @@
               </a:ln>
               <a:extLst>
                 <a:ext uri="{91240B29-F687-4f45-9708-019B960494DF}">
-                  <a14:hiddenLine xmlns:a14="http://schemas.microsoft.com/office/drawing/2010/main" xmlns="" w="9525">
+                  <a14:hiddenLine xmlns="" xmlns:a14="http://schemas.microsoft.com/office/drawing/2010/main" w="9525">
                     <a:solidFill>
                       <a:srgbClr val="000000"/>
                     </a:solidFill>
@@ -11857,7 +12539,7 @@
               </a:ln>
               <a:extLst>
                 <a:ext uri="{91240B29-F687-4f45-9708-019B960494DF}">
-                  <a14:hiddenLine xmlns:a14="http://schemas.microsoft.com/office/drawing/2010/main" xmlns="" w="9525">
+                  <a14:hiddenLine xmlns="" xmlns:a14="http://schemas.microsoft.com/office/drawing/2010/main" w="9525">
                     <a:solidFill>
                       <a:srgbClr val="000000"/>
                     </a:solidFill>
@@ -11947,7 +12629,7 @@
               </a:ln>
               <a:extLst>
                 <a:ext uri="{91240B29-F687-4f45-9708-019B960494DF}">
-                  <a14:hiddenLine xmlns:a14="http://schemas.microsoft.com/office/drawing/2010/main" xmlns="" w="9525">
+                  <a14:hiddenLine xmlns="" xmlns:a14="http://schemas.microsoft.com/office/drawing/2010/main" w="9525">
                     <a:solidFill>
                       <a:srgbClr val="000000"/>
                     </a:solidFill>
@@ -12012,7 +12694,7 @@
               </a:ln>
               <a:extLst>
                 <a:ext uri="{91240B29-F687-4f45-9708-019B960494DF}">
-                  <a14:hiddenLine xmlns:a14="http://schemas.microsoft.com/office/drawing/2010/main" xmlns="" w="9525">
+                  <a14:hiddenLine xmlns="" xmlns:a14="http://schemas.microsoft.com/office/drawing/2010/main" w="9525">
                     <a:solidFill>
                       <a:srgbClr val="000000"/>
                     </a:solidFill>
@@ -12102,7 +12784,7 @@
               </a:ln>
               <a:extLst>
                 <a:ext uri="{91240B29-F687-4f45-9708-019B960494DF}">
-                  <a14:hiddenLine xmlns:a14="http://schemas.microsoft.com/office/drawing/2010/main" xmlns="" w="9525">
+                  <a14:hiddenLine xmlns="" xmlns:a14="http://schemas.microsoft.com/office/drawing/2010/main" w="9525">
                     <a:solidFill>
                       <a:srgbClr val="000000"/>
                     </a:solidFill>
@@ -12170,7 +12852,7 @@
               </a:ln>
               <a:extLst>
                 <a:ext uri="{91240B29-F687-4f45-9708-019B960494DF}">
-                  <a14:hiddenLine xmlns:a14="http://schemas.microsoft.com/office/drawing/2010/main" xmlns="" w="9525">
+                  <a14:hiddenLine xmlns="" xmlns:a14="http://schemas.microsoft.com/office/drawing/2010/main" w="9525">
                     <a:solidFill>
                       <a:srgbClr val="000000"/>
                     </a:solidFill>
@@ -12260,7 +12942,7 @@
               </a:ln>
               <a:extLst>
                 <a:ext uri="{91240B29-F687-4f45-9708-019B960494DF}">
-                  <a14:hiddenLine xmlns:a14="http://schemas.microsoft.com/office/drawing/2010/main" xmlns="" w="9525">
+                  <a14:hiddenLine xmlns="" xmlns:a14="http://schemas.microsoft.com/office/drawing/2010/main" w="9525">
                     <a:solidFill>
                       <a:srgbClr val="000000"/>
                     </a:solidFill>
@@ -12328,7 +13010,7 @@
               </a:ln>
               <a:extLst>
                 <a:ext uri="{91240B29-F687-4f45-9708-019B960494DF}">
-                  <a14:hiddenLine xmlns:a14="http://schemas.microsoft.com/office/drawing/2010/main" xmlns="" w="9525">
+                  <a14:hiddenLine xmlns="" xmlns:a14="http://schemas.microsoft.com/office/drawing/2010/main" w="9525">
                     <a:solidFill>
                       <a:srgbClr val="000000"/>
                     </a:solidFill>
@@ -12418,7 +13100,7 @@
               </a:ln>
               <a:extLst>
                 <a:ext uri="{91240B29-F687-4f45-9708-019B960494DF}">
-                  <a14:hiddenLine xmlns:a14="http://schemas.microsoft.com/office/drawing/2010/main" xmlns="" w="9525">
+                  <a14:hiddenLine xmlns="" xmlns:a14="http://schemas.microsoft.com/office/drawing/2010/main" w="9525">
                     <a:solidFill>
                       <a:srgbClr val="000000"/>
                     </a:solidFill>
@@ -12452,7 +13134,7 @@
               </a:ln>
               <a:extLst>
                 <a:ext uri="{91240B29-F687-4f45-9708-019B960494DF}">
-                  <a14:hiddenLine xmlns:a14="http://schemas.microsoft.com/office/drawing/2010/main" xmlns="" w="9525">
+                  <a14:hiddenLine xmlns="" xmlns:a14="http://schemas.microsoft.com/office/drawing/2010/main" w="9525">
                     <a:solidFill>
                       <a:srgbClr val="000000"/>
                     </a:solidFill>
@@ -12593,7 +13275,7 @@
             <a:fld id="{48A87A34-81AB-432B-8DAE-1953F412C126}" type="datetimeFigureOut">
               <a:rPr lang="en-US" dirty="0"/>
               <a:pPr/>
-              <a:t>2/15/2023</a:t>
+              <a:t>2/21/2023</a:t>
             </a:fld>
             <a:endParaRPr lang="en-US" dirty="0"/>
           </a:p>
@@ -13119,7 +13801,7 @@
           <p:nvPr/>
         </p:nvPicPr>
         <p:blipFill>
-          <a:blip r:embed="rId2">
+          <a:blip r:embed="rId3">
             <a:extLst>
               <a:ext uri="{28A0092B-C50C-407E-A947-70E740481C1C}">
                 <a14:useLocalDpi xmlns:a14="http://schemas.microsoft.com/office/drawing/2010/main" val="0"/>
@@ -13369,13 +14051,13 @@
   <p:clrMapOvr>
     <a:masterClrMapping/>
   </p:clrMapOvr>
-  <mc:AlternateContent xmlns:mc="http://schemas.openxmlformats.org/markup-compatibility/2006">
-    <mc:Choice xmlns:p15="http://schemas.microsoft.com/office/powerpoint/2012/main" Requires="p15">
+  <mc:AlternateContent xmlns:mc="http://schemas.openxmlformats.org/markup-compatibility/2006" xmlns:p15="http://schemas.microsoft.com/office/powerpoint/2012/main">
+    <mc:Choice Requires="p15">
       <p:transition xmlns:p14="http://schemas.microsoft.com/office/powerpoint/2010/main" spd="slow" p14:dur="3250">
         <p15:prstTrans prst="origami"/>
       </p:transition>
     </mc:Choice>
-    <mc:Fallback>
+    <mc:Fallback xmlns="">
       <p:transition spd="slow">
         <p:fade/>
       </p:transition>
@@ -14121,13 +14803,13 @@
   <p:clrMapOvr>
     <a:masterClrMapping/>
   </p:clrMapOvr>
-  <mc:AlternateContent xmlns:mc="http://schemas.openxmlformats.org/markup-compatibility/2006">
-    <mc:Choice xmlns:p15="http://schemas.microsoft.com/office/powerpoint/2012/main" Requires="p15">
+  <mc:AlternateContent xmlns:mc="http://schemas.openxmlformats.org/markup-compatibility/2006" xmlns:p15="http://schemas.microsoft.com/office/powerpoint/2012/main">
+    <mc:Choice Requires="p15">
       <p:transition xmlns:p14="http://schemas.microsoft.com/office/powerpoint/2010/main" spd="slow" p14:dur="3250">
         <p15:prstTrans prst="origami"/>
       </p:transition>
     </mc:Choice>
-    <mc:Fallback>
+    <mc:Fallback xmlns="">
       <p:transition spd="slow">
         <p:fade/>
       </p:transition>
@@ -14745,6 +15427,235 @@
           <a:lstStyle/>
           <a:p>
             <a:r>
+              <a:rPr lang="hu-HU" dirty="0" smtClean="0"/>
+              <a:t>adatbázis</a:t>
+            </a:r>
+            <a:endParaRPr lang="hu-HU" dirty="0"/>
+          </a:p>
+        </p:txBody>
+      </p:sp>
+      <p:pic>
+        <p:nvPicPr>
+          <p:cNvPr id="1026" name="Picture 2" descr="https://lh5.googleusercontent.com/FB_7McrXDMdv5ASqZLiSnogvc00p-UFDwEHb-bkVlHhX9KPD5nzrojVwBHwEAZzqcx-0hKRqxVovXQgPmkHiZg6GE2D37zrl2Y-7yZ0yISW0DdPei-47ZiU3646Vj-DoyxZyNersAinBvL4BzmIsfw=s2048"/>
+          <p:cNvPicPr>
+            <a:picLocks noChangeAspect="1" noChangeArrowheads="1"/>
+          </p:cNvPicPr>
+          <p:nvPr/>
+        </p:nvPicPr>
+        <p:blipFill>
+          <a:blip r:embed="rId3">
+            <a:extLst>
+              <a:ext uri="{28A0092B-C50C-407E-A947-70E740481C1C}">
+                <a14:useLocalDpi xmlns:a14="http://schemas.microsoft.com/office/drawing/2010/main" val="0"/>
+              </a:ext>
+            </a:extLst>
+          </a:blip>
+          <a:srcRect/>
+          <a:stretch>
+            <a:fillRect/>
+          </a:stretch>
+        </p:blipFill>
+        <p:spPr bwMode="auto">
+          <a:xfrm>
+            <a:off x="2617727" y="2097088"/>
+            <a:ext cx="6953370" cy="4389120"/>
+          </a:xfrm>
+          <a:prstGeom prst="rect">
+            <a:avLst/>
+          </a:prstGeom>
+          <a:noFill/>
+          <a:extLst>
+            <a:ext uri="{909E8E84-426E-40DD-AFC4-6F175D3DCCD1}">
+              <a14:hiddenFill xmlns:a14="http://schemas.microsoft.com/office/drawing/2010/main">
+                <a:solidFill>
+                  <a:srgbClr val="FFFFFF"/>
+                </a:solidFill>
+              </a14:hiddenFill>
+            </a:ext>
+          </a:extLst>
+        </p:spPr>
+      </p:pic>
+    </p:spTree>
+    <p:extLst>
+      <p:ext uri="{BB962C8B-B14F-4D97-AF65-F5344CB8AC3E}">
+        <p14:creationId xmlns:p14="http://schemas.microsoft.com/office/powerpoint/2010/main" val="1666520804"/>
+      </p:ext>
+    </p:extLst>
+  </p:cSld>
+  <p:clrMapOvr>
+    <a:masterClrMapping/>
+  </p:clrMapOvr>
+</p:sld>
+</file>
+
+<file path=ppt/slides/slide5.xml><?xml version="1.0" encoding="utf-8"?>
+<p:sld xmlns:a="http://schemas.openxmlformats.org/drawingml/2006/main" xmlns:r="http://schemas.openxmlformats.org/officeDocument/2006/relationships" xmlns:p="http://schemas.openxmlformats.org/presentationml/2006/main">
+  <p:cSld>
+    <p:spTree>
+      <p:nvGrpSpPr>
+        <p:cNvPr id="1" name=""/>
+        <p:cNvGrpSpPr/>
+        <p:nvPr/>
+      </p:nvGrpSpPr>
+      <p:grpSpPr>
+        <a:xfrm>
+          <a:off x="0" y="0"/>
+          <a:ext cx="0" cy="0"/>
+          <a:chOff x="0" y="0"/>
+          <a:chExt cx="0" cy="0"/>
+        </a:xfrm>
+      </p:grpSpPr>
+      <p:sp>
+        <p:nvSpPr>
+          <p:cNvPr id="2" name="Cím 1"/>
+          <p:cNvSpPr>
+            <a:spLocks noGrp="1"/>
+          </p:cNvSpPr>
+          <p:nvPr>
+            <p:ph type="title"/>
+          </p:nvPr>
+        </p:nvSpPr>
+        <p:spPr/>
+        <p:txBody>
+          <a:bodyPr/>
+          <a:lstStyle/>
+          <a:p>
+            <a:r>
+              <a:rPr lang="hu-HU" dirty="0" smtClean="0"/>
+              <a:t>Általános információk</a:t>
+            </a:r>
+            <a:endParaRPr lang="hu-HU" dirty="0"/>
+          </a:p>
+        </p:txBody>
+      </p:sp>
+      <p:pic>
+        <p:nvPicPr>
+          <p:cNvPr id="2050" name="Picture 2" descr="https://lh5.googleusercontent.com/WZhYWmuXetJLDn0zSJT-LNk7eZ0tR9sqppJnv2dKoCX4COuHxpIeDtfhLxOeUIYTSEME76Acw7CBMjsyeal9_y_pBsEISvsQ0OsjWJy_9sMqiu67_epLnKy6DKet0P0NOtDoRLRdJKAKZSwG-754Aw=s2048"/>
+          <p:cNvPicPr>
+            <a:picLocks noChangeAspect="1" noChangeArrowheads="1"/>
+          </p:cNvPicPr>
+          <p:nvPr/>
+        </p:nvPicPr>
+        <p:blipFill>
+          <a:blip r:embed="rId3">
+            <a:extLst>
+              <a:ext uri="{28A0092B-C50C-407E-A947-70E740481C1C}">
+                <a14:useLocalDpi xmlns:a14="http://schemas.microsoft.com/office/drawing/2010/main" val="0"/>
+              </a:ext>
+            </a:extLst>
+          </a:blip>
+          <a:srcRect/>
+          <a:stretch>
+            <a:fillRect/>
+          </a:stretch>
+        </p:blipFill>
+        <p:spPr bwMode="auto">
+          <a:xfrm>
+            <a:off x="1250285" y="2285897"/>
+            <a:ext cx="4844127" cy="2626238"/>
+          </a:xfrm>
+          <a:prstGeom prst="rect">
+            <a:avLst/>
+          </a:prstGeom>
+          <a:noFill/>
+          <a:extLst>
+            <a:ext uri="{909E8E84-426E-40DD-AFC4-6F175D3DCCD1}">
+              <a14:hiddenFill xmlns:a14="http://schemas.microsoft.com/office/drawing/2010/main">
+                <a:solidFill>
+                  <a:srgbClr val="FFFFFF"/>
+                </a:solidFill>
+              </a14:hiddenFill>
+            </a:ext>
+          </a:extLst>
+        </p:spPr>
+      </p:pic>
+      <p:pic>
+        <p:nvPicPr>
+          <p:cNvPr id="2052" name="Picture 4" descr="https://lh3.googleusercontent.com/ZQ7VdyWpCTRJGQ2YHJZnSf8pdAFUcsSXabK6O_oeD3VSGLn4WX7dWviyvrJ6_dHeCNvPQjjnkdN1CgagwLFDbnclYyC9HGz4CJqHEhB7RqHof-QTJmgMkVzJHodyB5oZv1N25WD9unQer2U4pY9nFg=s2048"/>
+          <p:cNvPicPr>
+            <a:picLocks noChangeAspect="1" noChangeArrowheads="1"/>
+          </p:cNvPicPr>
+          <p:nvPr/>
+        </p:nvPicPr>
+        <p:blipFill>
+          <a:blip r:embed="rId4">
+            <a:extLst>
+              <a:ext uri="{28A0092B-C50C-407E-A947-70E740481C1C}">
+                <a14:useLocalDpi xmlns:a14="http://schemas.microsoft.com/office/drawing/2010/main" val="0"/>
+              </a:ext>
+            </a:extLst>
+          </a:blip>
+          <a:srcRect/>
+          <a:stretch>
+            <a:fillRect/>
+          </a:stretch>
+        </p:blipFill>
+        <p:spPr bwMode="auto">
+          <a:xfrm>
+            <a:off x="6684961" y="2285897"/>
+            <a:ext cx="4362450" cy="2628900"/>
+          </a:xfrm>
+          <a:prstGeom prst="rect">
+            <a:avLst/>
+          </a:prstGeom>
+          <a:noFill/>
+          <a:extLst>
+            <a:ext uri="{909E8E84-426E-40DD-AFC4-6F175D3DCCD1}">
+              <a14:hiddenFill xmlns:a14="http://schemas.microsoft.com/office/drawing/2010/main">
+                <a:solidFill>
+                  <a:srgbClr val="FFFFFF"/>
+                </a:solidFill>
+              </a14:hiddenFill>
+            </a:ext>
+          </a:extLst>
+        </p:spPr>
+      </p:pic>
+    </p:spTree>
+    <p:extLst>
+      <p:ext uri="{BB962C8B-B14F-4D97-AF65-F5344CB8AC3E}">
+        <p14:creationId xmlns:p14="http://schemas.microsoft.com/office/powerpoint/2010/main" val="85270746"/>
+      </p:ext>
+    </p:extLst>
+  </p:cSld>
+  <p:clrMapOvr>
+    <a:masterClrMapping/>
+  </p:clrMapOvr>
+</p:sld>
+</file>
+
+<file path=ppt/slides/slide6.xml><?xml version="1.0" encoding="utf-8"?>
+<p:sld xmlns:a="http://schemas.openxmlformats.org/drawingml/2006/main" xmlns:r="http://schemas.openxmlformats.org/officeDocument/2006/relationships" xmlns:p="http://schemas.openxmlformats.org/presentationml/2006/main">
+  <p:cSld>
+    <p:spTree>
+      <p:nvGrpSpPr>
+        <p:cNvPr id="1" name=""/>
+        <p:cNvGrpSpPr/>
+        <p:nvPr/>
+      </p:nvGrpSpPr>
+      <p:grpSpPr>
+        <a:xfrm>
+          <a:off x="0" y="0"/>
+          <a:ext cx="0" cy="0"/>
+          <a:chOff x="0" y="0"/>
+          <a:chExt cx="0" cy="0"/>
+        </a:xfrm>
+      </p:grpSpPr>
+      <p:sp>
+        <p:nvSpPr>
+          <p:cNvPr id="2" name="Cím 1"/>
+          <p:cNvSpPr>
+            <a:spLocks noGrp="1"/>
+          </p:cNvSpPr>
+          <p:nvPr>
+            <p:ph type="title"/>
+          </p:nvPr>
+        </p:nvSpPr>
+        <p:spPr/>
+        <p:txBody>
+          <a:bodyPr/>
+          <a:lstStyle/>
+          <a:p>
+            <a:r>
               <a:rPr lang="hu-HU" dirty="0" smtClean="0">
                 <a:solidFill>
                   <a:schemeClr val="bg2">

--- a/GKKprezentáció.pptx
+++ b/GKKprezentáció.pptx
@@ -5,7 +5,7 @@
     <p:sldMasterId id="2147483648" r:id="rId1"/>
   </p:sldMasterIdLst>
   <p:notesMasterIdLst>
-    <p:notesMasterId r:id="rId8"/>
+    <p:notesMasterId r:id="rId9"/>
   </p:notesMasterIdLst>
   <p:sldIdLst>
     <p:sldId id="256" r:id="rId2"/>
@@ -13,7 +13,8 @@
     <p:sldId id="259" r:id="rId4"/>
     <p:sldId id="260" r:id="rId5"/>
     <p:sldId id="261" r:id="rId6"/>
-    <p:sldId id="258" r:id="rId7"/>
+    <p:sldId id="262" r:id="rId7"/>
+    <p:sldId id="258" r:id="rId8"/>
   </p:sldIdLst>
   <p:sldSz cx="12192000" cy="6858000"/>
   <p:notesSz cx="6858000" cy="9144000"/>
@@ -202,7 +203,7 @@
           <a:p>
             <a:fld id="{6F41C697-146D-431A-B6C3-E781A5C42B97}" type="datetimeFigureOut">
               <a:rPr lang="hu-HU" smtClean="0"/>
-              <a:t>2023. 02. 21.</a:t>
+              <a:t>2023. 02. 22.</a:t>
             </a:fld>
             <a:endParaRPr lang="hu-HU"/>
           </a:p>
@@ -817,12 +818,8 @@
           </a:p>
           <a:p>
             <a:r>
-              <a:rPr lang="hu-HU" baseline="0" smtClean="0"/>
-              <a:t>Java </a:t>
-            </a:r>
-            <a:r>
               <a:rPr lang="hu-HU" baseline="0" dirty="0" smtClean="0"/>
-              <a:t>nyelven készítettük az asztali alkalmazásunkat. </a:t>
+              <a:t>Java nyelven készítettük az asztali alkalmazásunkat. </a:t>
             </a:r>
             <a:endParaRPr lang="hu-HU" dirty="0"/>
           </a:p>
@@ -946,7 +943,15 @@
             </a:r>
             <a:r>
               <a:rPr lang="hu-HU" baseline="0" dirty="0" smtClean="0"/>
-              <a:t>  (Itt mond el mi van a táblában!)</a:t>
+              <a:t> </a:t>
+            </a:r>
+            <a:r>
+              <a:rPr lang="hu-HU" baseline="0" dirty="0" smtClean="0"/>
+              <a:t>                          </a:t>
+            </a:r>
+            <a:r>
+              <a:rPr lang="hu-HU" baseline="0" dirty="0" smtClean="0"/>
+              <a:t>(Itt mond el mi van a táblában!)</a:t>
             </a:r>
           </a:p>
           <a:p>
@@ -975,11 +980,7 @@
             </a:pPr>
             <a:r>
               <a:rPr lang="hu-HU" baseline="0" dirty="0" smtClean="0"/>
-              <a:t>A vehicles táblában tároljuk a gépjárműveket és a gépjárműről egy fotót. Gépjárművet csak a Java alkalmazásból lehet feltölteni</a:t>
-            </a:r>
-            <a:r>
-              <a:rPr lang="hu-HU" baseline="0" dirty="0" smtClean="0"/>
-              <a:t> (Itt mond el mi van a táblában!)</a:t>
+              <a:t>A vehicles táblában tároljuk a gépjárműveket és a gépjárműről egy fotót. Gépjárművet csak a Java alkalmazásból lehet feltölteni (Itt mond el mi van a táblában!)</a:t>
             </a:r>
           </a:p>
           <a:p>
@@ -1409,11 +1410,7 @@
             </a:r>
             <a:r>
               <a:rPr lang="hu-HU" baseline="0" dirty="0" smtClean="0"/>
-              <a:t> jogosultsággal rendelkezik az tudja kezelni a felhasználókat illetve </a:t>
-            </a:r>
-            <a:r>
-              <a:rPr lang="hu-HU" baseline="0" smtClean="0"/>
-              <a:t>az üzeneteket.</a:t>
+              <a:t> jogosultsággal rendelkezik az tudja kezelni a felhasználókat illetve az üzeneteket.</a:t>
             </a:r>
             <a:endParaRPr lang="hu-HU" dirty="0"/>
           </a:p>
@@ -1446,6 +1443,195 @@
     <p:extLst>
       <p:ext uri="{BB962C8B-B14F-4D97-AF65-F5344CB8AC3E}">
         <p14:creationId xmlns:p14="http://schemas.microsoft.com/office/powerpoint/2010/main" val="3044153648"/>
+      </p:ext>
+    </p:extLst>
+  </p:cSld>
+  <p:clrMapOvr>
+    <a:masterClrMapping/>
+  </p:clrMapOvr>
+</p:notes>
+</file>
+
+<file path=ppt/notesSlides/notesSlide6.xml><?xml version="1.0" encoding="utf-8"?>
+<p:notes xmlns:a="http://schemas.openxmlformats.org/drawingml/2006/main" xmlns:r="http://schemas.openxmlformats.org/officeDocument/2006/relationships" xmlns:p="http://schemas.openxmlformats.org/presentationml/2006/main">
+  <p:cSld>
+    <p:spTree>
+      <p:nvGrpSpPr>
+        <p:cNvPr id="1" name=""/>
+        <p:cNvGrpSpPr/>
+        <p:nvPr/>
+      </p:nvGrpSpPr>
+      <p:grpSpPr>
+        <a:xfrm>
+          <a:off x="0" y="0"/>
+          <a:ext cx="0" cy="0"/>
+          <a:chOff x="0" y="0"/>
+          <a:chExt cx="0" cy="0"/>
+        </a:xfrm>
+      </p:grpSpPr>
+      <p:sp>
+        <p:nvSpPr>
+          <p:cNvPr id="2" name="Diakép helye 1"/>
+          <p:cNvSpPr>
+            <a:spLocks noGrp="1" noRot="1" noChangeAspect="1"/>
+          </p:cNvSpPr>
+          <p:nvPr>
+            <p:ph type="sldImg"/>
+          </p:nvPr>
+        </p:nvSpPr>
+        <p:spPr/>
+      </p:sp>
+      <p:sp>
+        <p:nvSpPr>
+          <p:cNvPr id="3" name="Jegyzetek helye 2"/>
+          <p:cNvSpPr>
+            <a:spLocks noGrp="1"/>
+          </p:cNvSpPr>
+          <p:nvPr>
+            <p:ph type="body" idx="1"/>
+          </p:nvPr>
+        </p:nvSpPr>
+        <p:spPr/>
+        <p:txBody>
+          <a:bodyPr/>
+          <a:lstStyle/>
+          <a:p>
+            <a:r>
+              <a:rPr lang="hu-HU" dirty="0" smtClean="0"/>
+              <a:t>A java alkalmazás bejelentkezési rendszerének felépítését</a:t>
+            </a:r>
+            <a:r>
+              <a:rPr lang="hu-HU" baseline="0" dirty="0" smtClean="0"/>
+              <a:t> és szerkezetét készítettem. Itt látható a bejelentkezési rész ,</a:t>
+            </a:r>
+          </a:p>
+          <a:p>
+            <a:endParaRPr lang="hu-HU" baseline="0" dirty="0" smtClean="0"/>
+          </a:p>
+          <a:p>
+            <a:r>
+              <a:rPr lang="hu-HU" baseline="0" dirty="0" smtClean="0"/>
+              <a:t>(nyomj gomb)</a:t>
+            </a:r>
+          </a:p>
+          <a:p>
+            <a:endParaRPr lang="hu-HU" baseline="0" dirty="0" smtClean="0"/>
+          </a:p>
+          <a:p>
+            <a:r>
+              <a:rPr lang="hu-HU" baseline="0" dirty="0" smtClean="0"/>
+              <a:t> itt ha megadja az adatait akkor tovább lépteti a </a:t>
+            </a:r>
+            <a:r>
+              <a:rPr lang="hu-HU" baseline="0" dirty="0" err="1" smtClean="0"/>
+              <a:t>welcome</a:t>
+            </a:r>
+            <a:r>
+              <a:rPr lang="hu-HU" baseline="0" dirty="0" smtClean="0"/>
+              <a:t> oldalra amin a sikeres bejelentkezés jele. Ez igazából egy menü ahol lehet navigálni a különböző </a:t>
+            </a:r>
+            <a:r>
+              <a:rPr lang="hu-HU" baseline="0" dirty="0" err="1" smtClean="0"/>
+              <a:t>aloldalak</a:t>
+            </a:r>
+            <a:r>
+              <a:rPr lang="hu-HU" baseline="0" dirty="0" smtClean="0"/>
+              <a:t> között. </a:t>
+            </a:r>
+          </a:p>
+          <a:p>
+            <a:endParaRPr lang="hu-HU" baseline="0" dirty="0" smtClean="0"/>
+          </a:p>
+          <a:p>
+            <a:pPr marL="0" marR="0" indent="0" algn="l" defTabSz="914400" rtl="0" eaLnBrk="1" fontAlgn="auto" latinLnBrk="0" hangingPunct="1">
+              <a:lnSpc>
+                <a:spcPct val="100000"/>
+              </a:lnSpc>
+              <a:spcBef>
+                <a:spcPts val="0"/>
+              </a:spcBef>
+              <a:spcAft>
+                <a:spcPts val="0"/>
+              </a:spcAft>
+              <a:buClrTx/>
+              <a:buSzTx/>
+              <a:buFontTx/>
+              <a:buNone/>
+              <a:tabLst/>
+              <a:defRPr/>
+            </a:pPr>
+            <a:r>
+              <a:rPr lang="hu-HU" baseline="0" dirty="0" smtClean="0"/>
+              <a:t>(nyomj gomb)</a:t>
+            </a:r>
+          </a:p>
+          <a:p>
+            <a:pPr marL="0" marR="0" indent="0" algn="l" defTabSz="914400" rtl="0" eaLnBrk="1" fontAlgn="auto" latinLnBrk="0" hangingPunct="1">
+              <a:lnSpc>
+                <a:spcPct val="100000"/>
+              </a:lnSpc>
+              <a:spcBef>
+                <a:spcPts val="0"/>
+              </a:spcBef>
+              <a:spcAft>
+                <a:spcPts val="0"/>
+              </a:spcAft>
+              <a:buClrTx/>
+              <a:buSzTx/>
+              <a:buFontTx/>
+              <a:buNone/>
+              <a:tabLst/>
+              <a:defRPr/>
+            </a:pPr>
+            <a:endParaRPr lang="hu-HU" baseline="0" dirty="0" smtClean="0"/>
+          </a:p>
+          <a:p>
+            <a:r>
+              <a:rPr lang="hu-HU" baseline="0" dirty="0" smtClean="0"/>
+              <a:t>A weboldal alapszerkezetét és elrendezését készítettem. Az elrendezést azért alakítottam így ki mivel sok oldal ezt a szabványt használja és ezért könnyebben tudnak kiigazodni az oldalon. Amint rákattint a kártyán található foglalás gombra átnavigálja a bejelentkezés oldalra ahol be tud  jelentkezni. Ez egy szimpla bejelentkezés egy felhasználónév és jelszó beviteli mezővel. Ha nincs felhasználója akkor Regisztráció linkre rákattintva átnavigálja a regisztráció oldalra.</a:t>
+            </a:r>
+          </a:p>
+          <a:p>
+            <a:endParaRPr lang="hu-HU" baseline="0" dirty="0" smtClean="0"/>
+          </a:p>
+          <a:p>
+            <a:r>
+              <a:rPr lang="hu-HU" baseline="0" dirty="0" smtClean="0"/>
+              <a:t>Itt egy sima regisztrációs oldal készült ahol meg kell adni a felhasználó néhány adatát. Törekedtünk arra hogy csak a fontos adatait adja meg mivel fölösleges adatra nincs szükségünk.</a:t>
+            </a:r>
+          </a:p>
+          <a:p>
+            <a:endParaRPr lang="hu-HU" baseline="0" dirty="0" smtClean="0"/>
+          </a:p>
+        </p:txBody>
+      </p:sp>
+      <p:sp>
+        <p:nvSpPr>
+          <p:cNvPr id="4" name="Dia számának helye 3"/>
+          <p:cNvSpPr>
+            <a:spLocks noGrp="1"/>
+          </p:cNvSpPr>
+          <p:nvPr>
+            <p:ph type="sldNum" sz="quarter" idx="10"/>
+          </p:nvPr>
+        </p:nvSpPr>
+        <p:spPr/>
+        <p:txBody>
+          <a:bodyPr/>
+          <a:lstStyle/>
+          <a:p>
+            <a:fld id="{3C0E172F-5828-4ACE-8474-08765021FC61}" type="slidenum">
+              <a:rPr lang="hu-HU" smtClean="0"/>
+              <a:t>6</a:t>
+            </a:fld>
+            <a:endParaRPr lang="hu-HU"/>
+          </a:p>
+        </p:txBody>
+      </p:sp>
+    </p:spTree>
+    <p:extLst>
+      <p:ext uri="{BB962C8B-B14F-4D97-AF65-F5344CB8AC3E}">
+        <p14:creationId xmlns:p14="http://schemas.microsoft.com/office/powerpoint/2010/main" val="3305360948"/>
       </p:ext>
     </p:extLst>
   </p:cSld>
@@ -1505,7 +1691,7 @@
           <a:noFill/>
           <a:extLst>
             <a:ext uri="{909E8E84-426E-40dd-AFC4-6F175D3DCCD1}">
-              <a14:hiddenFill xmlns="" xmlns:a14="http://schemas.microsoft.com/office/drawing/2010/main">
+              <a14:hiddenFill xmlns:a14="http://schemas.microsoft.com/office/drawing/2010/main" xmlns="">
                 <a:solidFill>
                   <a:srgbClr val="FFFFFF"/>
                 </a:solidFill>
@@ -1565,7 +1751,7 @@
             </a:ln>
             <a:extLst>
               <a:ext uri="{91240B29-F687-4f45-9708-019B960494DF}">
-                <a14:hiddenLine xmlns="" xmlns:a14="http://schemas.microsoft.com/office/drawing/2010/main" w="9525">
+                <a14:hiddenLine xmlns:a14="http://schemas.microsoft.com/office/drawing/2010/main" xmlns="" w="9525">
                   <a:solidFill>
                     <a:srgbClr val="000000"/>
                   </a:solidFill>
@@ -1655,7 +1841,7 @@
             </a:ln>
             <a:extLst>
               <a:ext uri="{91240B29-F687-4f45-9708-019B960494DF}">
-                <a14:hiddenLine xmlns="" xmlns:a14="http://schemas.microsoft.com/office/drawing/2010/main" w="9525">
+                <a14:hiddenLine xmlns:a14="http://schemas.microsoft.com/office/drawing/2010/main" xmlns="" w="9525">
                   <a:solidFill>
                     <a:srgbClr val="000000"/>
                   </a:solidFill>
@@ -1745,7 +1931,7 @@
             </a:ln>
             <a:extLst>
               <a:ext uri="{91240B29-F687-4f45-9708-019B960494DF}">
-                <a14:hiddenLine xmlns="" xmlns:a14="http://schemas.microsoft.com/office/drawing/2010/main" w="9525">
+                <a14:hiddenLine xmlns:a14="http://schemas.microsoft.com/office/drawing/2010/main" xmlns="" w="9525">
                   <a:solidFill>
                     <a:srgbClr val="000000"/>
                   </a:solidFill>
@@ -1779,7 +1965,7 @@
             </a:ln>
             <a:extLst>
               <a:ext uri="{91240B29-F687-4f45-9708-019B960494DF}">
-                <a14:hiddenLine xmlns="" xmlns:a14="http://schemas.microsoft.com/office/drawing/2010/main" w="9525">
+                <a14:hiddenLine xmlns:a14="http://schemas.microsoft.com/office/drawing/2010/main" xmlns="" w="9525">
                   <a:solidFill>
                     <a:srgbClr val="000000"/>
                   </a:solidFill>
@@ -1869,7 +2055,7 @@
             </a:ln>
             <a:extLst>
               <a:ext uri="{91240B29-F687-4f45-9708-019B960494DF}">
-                <a14:hiddenLine xmlns="" xmlns:a14="http://schemas.microsoft.com/office/drawing/2010/main" w="9525">
+                <a14:hiddenLine xmlns:a14="http://schemas.microsoft.com/office/drawing/2010/main" xmlns="" w="9525">
                   <a:solidFill>
                     <a:srgbClr val="000000"/>
                   </a:solidFill>
@@ -1931,7 +2117,7 @@
             </a:ln>
             <a:extLst>
               <a:ext uri="{91240B29-F687-4f45-9708-019B960494DF}">
-                <a14:hiddenLine xmlns="" xmlns:a14="http://schemas.microsoft.com/office/drawing/2010/main" w="9525">
+                <a14:hiddenLine xmlns:a14="http://schemas.microsoft.com/office/drawing/2010/main" xmlns="" w="9525">
                   <a:solidFill>
                     <a:srgbClr val="000000"/>
                   </a:solidFill>
@@ -1993,7 +2179,7 @@
             </a:ln>
             <a:extLst>
               <a:ext uri="{91240B29-F687-4f45-9708-019B960494DF}">
-                <a14:hiddenLine xmlns="" xmlns:a14="http://schemas.microsoft.com/office/drawing/2010/main" w="9525">
+                <a14:hiddenLine xmlns:a14="http://schemas.microsoft.com/office/drawing/2010/main" xmlns="" w="9525">
                   <a:solidFill>
                     <a:srgbClr val="000000"/>
                   </a:solidFill>
@@ -2083,7 +2269,7 @@
             </a:ln>
             <a:extLst>
               <a:ext uri="{91240B29-F687-4f45-9708-019B960494DF}">
-                <a14:hiddenLine xmlns="" xmlns:a14="http://schemas.microsoft.com/office/drawing/2010/main" w="9525">
+                <a14:hiddenLine xmlns:a14="http://schemas.microsoft.com/office/drawing/2010/main" xmlns="" w="9525">
                   <a:solidFill>
                     <a:srgbClr val="000000"/>
                   </a:solidFill>
@@ -2145,7 +2331,7 @@
             </a:ln>
             <a:extLst>
               <a:ext uri="{91240B29-F687-4f45-9708-019B960494DF}">
-                <a14:hiddenLine xmlns="" xmlns:a14="http://schemas.microsoft.com/office/drawing/2010/main" w="9525">
+                <a14:hiddenLine xmlns:a14="http://schemas.microsoft.com/office/drawing/2010/main" xmlns="" w="9525">
                   <a:solidFill>
                     <a:srgbClr val="000000"/>
                   </a:solidFill>
@@ -2207,7 +2393,7 @@
             </a:ln>
             <a:extLst>
               <a:ext uri="{91240B29-F687-4f45-9708-019B960494DF}">
-                <a14:hiddenLine xmlns="" xmlns:a14="http://schemas.microsoft.com/office/drawing/2010/main" w="9525">
+                <a14:hiddenLine xmlns:a14="http://schemas.microsoft.com/office/drawing/2010/main" xmlns="" w="9525">
                   <a:solidFill>
                     <a:srgbClr val="000000"/>
                   </a:solidFill>
@@ -2297,7 +2483,7 @@
             </a:ln>
             <a:extLst>
               <a:ext uri="{91240B29-F687-4f45-9708-019B960494DF}">
-                <a14:hiddenLine xmlns="" xmlns:a14="http://schemas.microsoft.com/office/drawing/2010/main" w="9525">
+                <a14:hiddenLine xmlns:a14="http://schemas.microsoft.com/office/drawing/2010/main" xmlns="" w="9525">
                   <a:solidFill>
                     <a:srgbClr val="000000"/>
                   </a:solidFill>
@@ -2387,7 +2573,7 @@
             </a:ln>
             <a:extLst>
               <a:ext uri="{91240B29-F687-4f45-9708-019B960494DF}">
-                <a14:hiddenLine xmlns="" xmlns:a14="http://schemas.microsoft.com/office/drawing/2010/main" w="9525">
+                <a14:hiddenLine xmlns:a14="http://schemas.microsoft.com/office/drawing/2010/main" xmlns="" w="9525">
                   <a:solidFill>
                     <a:srgbClr val="000000"/>
                   </a:solidFill>
@@ -2449,7 +2635,7 @@
             </a:ln>
             <a:extLst>
               <a:ext uri="{91240B29-F687-4f45-9708-019B960494DF}">
-                <a14:hiddenLine xmlns="" xmlns:a14="http://schemas.microsoft.com/office/drawing/2010/main" w="9525">
+                <a14:hiddenLine xmlns:a14="http://schemas.microsoft.com/office/drawing/2010/main" xmlns="" w="9525">
                   <a:solidFill>
                     <a:srgbClr val="000000"/>
                   </a:solidFill>
@@ -2559,7 +2745,7 @@
             </a:ln>
             <a:extLst>
               <a:ext uri="{91240B29-F687-4f45-9708-019B960494DF}">
-                <a14:hiddenLine xmlns="" xmlns:a14="http://schemas.microsoft.com/office/drawing/2010/main" w="9525">
+                <a14:hiddenLine xmlns:a14="http://schemas.microsoft.com/office/drawing/2010/main" xmlns="" w="9525">
                   <a:solidFill>
                     <a:srgbClr val="000000"/>
                   </a:solidFill>
@@ -2621,7 +2807,7 @@
             </a:ln>
             <a:extLst>
               <a:ext uri="{91240B29-F687-4f45-9708-019B960494DF}">
-                <a14:hiddenLine xmlns="" xmlns:a14="http://schemas.microsoft.com/office/drawing/2010/main" w="9525">
+                <a14:hiddenLine xmlns:a14="http://schemas.microsoft.com/office/drawing/2010/main" xmlns="" w="9525">
                   <a:solidFill>
                     <a:srgbClr val="000000"/>
                   </a:solidFill>
@@ -2711,7 +2897,7 @@
             </a:ln>
             <a:extLst>
               <a:ext uri="{91240B29-F687-4f45-9708-019B960494DF}">
-                <a14:hiddenLine xmlns="" xmlns:a14="http://schemas.microsoft.com/office/drawing/2010/main" w="9525">
+                <a14:hiddenLine xmlns:a14="http://schemas.microsoft.com/office/drawing/2010/main" xmlns="" w="9525">
                   <a:solidFill>
                     <a:srgbClr val="000000"/>
                   </a:solidFill>
@@ -2801,7 +2987,7 @@
             </a:ln>
             <a:extLst>
               <a:ext uri="{91240B29-F687-4f45-9708-019B960494DF}">
-                <a14:hiddenLine xmlns="" xmlns:a14="http://schemas.microsoft.com/office/drawing/2010/main" w="9525">
+                <a14:hiddenLine xmlns:a14="http://schemas.microsoft.com/office/drawing/2010/main" xmlns="" w="9525">
                   <a:solidFill>
                     <a:srgbClr val="000000"/>
                   </a:solidFill>
@@ -2863,7 +3049,7 @@
             </a:ln>
             <a:extLst>
               <a:ext uri="{91240B29-F687-4f45-9708-019B960494DF}">
-                <a14:hiddenLine xmlns="" xmlns:a14="http://schemas.microsoft.com/office/drawing/2010/main" w="9525">
+                <a14:hiddenLine xmlns:a14="http://schemas.microsoft.com/office/drawing/2010/main" xmlns="" w="9525">
                   <a:solidFill>
                     <a:srgbClr val="000000"/>
                   </a:solidFill>
@@ -2953,7 +3139,7 @@
             </a:ln>
             <a:extLst>
               <a:ext uri="{91240B29-F687-4f45-9708-019B960494DF}">
-                <a14:hiddenLine xmlns="" xmlns:a14="http://schemas.microsoft.com/office/drawing/2010/main" w="9525">
+                <a14:hiddenLine xmlns:a14="http://schemas.microsoft.com/office/drawing/2010/main" xmlns="" w="9525">
                   <a:solidFill>
                     <a:srgbClr val="000000"/>
                   </a:solidFill>
@@ -3043,7 +3229,7 @@
             </a:ln>
             <a:extLst>
               <a:ext uri="{91240B29-F687-4f45-9708-019B960494DF}">
-                <a14:hiddenLine xmlns="" xmlns:a14="http://schemas.microsoft.com/office/drawing/2010/main" w="9525">
+                <a14:hiddenLine xmlns:a14="http://schemas.microsoft.com/office/drawing/2010/main" xmlns="" w="9525">
                   <a:solidFill>
                     <a:srgbClr val="000000"/>
                   </a:solidFill>
@@ -3099,7 +3285,7 @@
             </a:ln>
             <a:extLst>
               <a:ext uri="{91240B29-F687-4f45-9708-019B960494DF}">
-                <a14:hiddenLine xmlns="" xmlns:a14="http://schemas.microsoft.com/office/drawing/2010/main" w="9525">
+                <a14:hiddenLine xmlns:a14="http://schemas.microsoft.com/office/drawing/2010/main" xmlns="" w="9525">
                   <a:solidFill>
                     <a:srgbClr val="000000"/>
                   </a:solidFill>
@@ -3189,7 +3375,7 @@
             </a:ln>
             <a:extLst>
               <a:ext uri="{91240B29-F687-4f45-9708-019B960494DF}">
-                <a14:hiddenLine xmlns="" xmlns:a14="http://schemas.microsoft.com/office/drawing/2010/main" w="9525">
+                <a14:hiddenLine xmlns:a14="http://schemas.microsoft.com/office/drawing/2010/main" xmlns="" w="9525">
                   <a:solidFill>
                     <a:srgbClr val="000000"/>
                   </a:solidFill>
@@ -3245,7 +3431,7 @@
             </a:ln>
             <a:extLst>
               <a:ext uri="{91240B29-F687-4f45-9708-019B960494DF}">
-                <a14:hiddenLine xmlns="" xmlns:a14="http://schemas.microsoft.com/office/drawing/2010/main" w="9525">
+                <a14:hiddenLine xmlns:a14="http://schemas.microsoft.com/office/drawing/2010/main" xmlns="" w="9525">
                   <a:solidFill>
                     <a:srgbClr val="000000"/>
                   </a:solidFill>
@@ -3335,7 +3521,7 @@
             </a:ln>
             <a:extLst>
               <a:ext uri="{91240B29-F687-4f45-9708-019B960494DF}">
-                <a14:hiddenLine xmlns="" xmlns:a14="http://schemas.microsoft.com/office/drawing/2010/main" w="9525">
+                <a14:hiddenLine xmlns:a14="http://schemas.microsoft.com/office/drawing/2010/main" xmlns="" w="9525">
                   <a:solidFill>
                     <a:srgbClr val="000000"/>
                   </a:solidFill>
@@ -3403,7 +3589,7 @@
             </a:ln>
             <a:extLst>
               <a:ext uri="{91240B29-F687-4f45-9708-019B960494DF}">
-                <a14:hiddenLine xmlns="" xmlns:a14="http://schemas.microsoft.com/office/drawing/2010/main" w="9525">
+                <a14:hiddenLine xmlns:a14="http://schemas.microsoft.com/office/drawing/2010/main" xmlns="" w="9525">
                   <a:solidFill>
                     <a:srgbClr val="000000"/>
                   </a:solidFill>
@@ -3493,7 +3679,7 @@
             </a:ln>
             <a:extLst>
               <a:ext uri="{91240B29-F687-4f45-9708-019B960494DF}">
-                <a14:hiddenLine xmlns="" xmlns:a14="http://schemas.microsoft.com/office/drawing/2010/main" w="9525">
+                <a14:hiddenLine xmlns:a14="http://schemas.microsoft.com/office/drawing/2010/main" xmlns="" w="9525">
                   <a:solidFill>
                     <a:srgbClr val="000000"/>
                   </a:solidFill>
@@ -3561,7 +3747,7 @@
             </a:ln>
             <a:extLst>
               <a:ext uri="{91240B29-F687-4f45-9708-019B960494DF}">
-                <a14:hiddenLine xmlns="" xmlns:a14="http://schemas.microsoft.com/office/drawing/2010/main" w="9525">
+                <a14:hiddenLine xmlns:a14="http://schemas.microsoft.com/office/drawing/2010/main" xmlns="" w="9525">
                   <a:solidFill>
                     <a:srgbClr val="000000"/>
                   </a:solidFill>
@@ -3651,7 +3837,7 @@
             </a:ln>
             <a:extLst>
               <a:ext uri="{91240B29-F687-4f45-9708-019B960494DF}">
-                <a14:hiddenLine xmlns="" xmlns:a14="http://schemas.microsoft.com/office/drawing/2010/main" w="9525">
+                <a14:hiddenLine xmlns:a14="http://schemas.microsoft.com/office/drawing/2010/main" xmlns="" w="9525">
                   <a:solidFill>
                     <a:srgbClr val="000000"/>
                   </a:solidFill>
@@ -3685,7 +3871,7 @@
             </a:ln>
             <a:extLst>
               <a:ext uri="{91240B29-F687-4f45-9708-019B960494DF}">
-                <a14:hiddenLine xmlns="" xmlns:a14="http://schemas.microsoft.com/office/drawing/2010/main" w="9525">
+                <a14:hiddenLine xmlns:a14="http://schemas.microsoft.com/office/drawing/2010/main" xmlns="" w="9525">
                   <a:solidFill>
                     <a:srgbClr val="000000"/>
                   </a:solidFill>
@@ -3775,7 +3961,7 @@
             </a:ln>
             <a:extLst>
               <a:ext uri="{91240B29-F687-4f45-9708-019B960494DF}">
-                <a14:hiddenLine xmlns="" xmlns:a14="http://schemas.microsoft.com/office/drawing/2010/main" w="9525">
+                <a14:hiddenLine xmlns:a14="http://schemas.microsoft.com/office/drawing/2010/main" xmlns="" w="9525">
                   <a:solidFill>
                     <a:srgbClr val="000000"/>
                   </a:solidFill>
@@ -3837,7 +4023,7 @@
             </a:ln>
             <a:extLst>
               <a:ext uri="{91240B29-F687-4f45-9708-019B960494DF}">
-                <a14:hiddenLine xmlns="" xmlns:a14="http://schemas.microsoft.com/office/drawing/2010/main" w="9525">
+                <a14:hiddenLine xmlns:a14="http://schemas.microsoft.com/office/drawing/2010/main" xmlns="" w="9525">
                   <a:solidFill>
                     <a:srgbClr val="000000"/>
                   </a:solidFill>
@@ -3899,7 +4085,7 @@
             </a:ln>
             <a:extLst>
               <a:ext uri="{91240B29-F687-4f45-9708-019B960494DF}">
-                <a14:hiddenLine xmlns="" xmlns:a14="http://schemas.microsoft.com/office/drawing/2010/main" w="9525">
+                <a14:hiddenLine xmlns:a14="http://schemas.microsoft.com/office/drawing/2010/main" xmlns="" w="9525">
                   <a:solidFill>
                     <a:srgbClr val="000000"/>
                   </a:solidFill>
@@ -3989,7 +4175,7 @@
             </a:ln>
             <a:extLst>
               <a:ext uri="{91240B29-F687-4f45-9708-019B960494DF}">
-                <a14:hiddenLine xmlns="" xmlns:a14="http://schemas.microsoft.com/office/drawing/2010/main" w="9525">
+                <a14:hiddenLine xmlns:a14="http://schemas.microsoft.com/office/drawing/2010/main" xmlns="" w="9525">
                   <a:solidFill>
                     <a:srgbClr val="000000"/>
                   </a:solidFill>
@@ -4057,7 +4243,7 @@
             </a:ln>
             <a:extLst>
               <a:ext uri="{91240B29-F687-4f45-9708-019B960494DF}">
-                <a14:hiddenLine xmlns="" xmlns:a14="http://schemas.microsoft.com/office/drawing/2010/main" w="9525">
+                <a14:hiddenLine xmlns:a14="http://schemas.microsoft.com/office/drawing/2010/main" xmlns="" w="9525">
                   <a:solidFill>
                     <a:srgbClr val="000000"/>
                   </a:solidFill>
@@ -4119,7 +4305,7 @@
             </a:ln>
             <a:extLst>
               <a:ext uri="{91240B29-F687-4f45-9708-019B960494DF}">
-                <a14:hiddenLine xmlns="" xmlns:a14="http://schemas.microsoft.com/office/drawing/2010/main" w="9525">
+                <a14:hiddenLine xmlns:a14="http://schemas.microsoft.com/office/drawing/2010/main" xmlns="" w="9525">
                   <a:solidFill>
                     <a:srgbClr val="000000"/>
                   </a:solidFill>
@@ -4209,7 +4395,7 @@
             </a:ln>
             <a:extLst>
               <a:ext uri="{91240B29-F687-4f45-9708-019B960494DF}">
-                <a14:hiddenLine xmlns="" xmlns:a14="http://schemas.microsoft.com/office/drawing/2010/main" w="9525">
+                <a14:hiddenLine xmlns:a14="http://schemas.microsoft.com/office/drawing/2010/main" xmlns="" w="9525">
                   <a:solidFill>
                     <a:srgbClr val="000000"/>
                   </a:solidFill>
@@ -4271,7 +4457,7 @@
             </a:ln>
             <a:extLst>
               <a:ext uri="{91240B29-F687-4f45-9708-019B960494DF}">
-                <a14:hiddenLine xmlns="" xmlns:a14="http://schemas.microsoft.com/office/drawing/2010/main" w="9525">
+                <a14:hiddenLine xmlns:a14="http://schemas.microsoft.com/office/drawing/2010/main" xmlns="" w="9525">
                   <a:solidFill>
                     <a:srgbClr val="000000"/>
                   </a:solidFill>
@@ -4361,7 +4547,7 @@
             </a:ln>
             <a:extLst>
               <a:ext uri="{91240B29-F687-4f45-9708-019B960494DF}">
-                <a14:hiddenLine xmlns="" xmlns:a14="http://schemas.microsoft.com/office/drawing/2010/main" w="9525">
+                <a14:hiddenLine xmlns:a14="http://schemas.microsoft.com/office/drawing/2010/main" xmlns="" w="9525">
                   <a:solidFill>
                     <a:srgbClr val="000000"/>
                   </a:solidFill>
@@ -4423,7 +4609,7 @@
             </a:ln>
             <a:extLst>
               <a:ext uri="{91240B29-F687-4f45-9708-019B960494DF}">
-                <a14:hiddenLine xmlns="" xmlns:a14="http://schemas.microsoft.com/office/drawing/2010/main" w="9525">
+                <a14:hiddenLine xmlns:a14="http://schemas.microsoft.com/office/drawing/2010/main" xmlns="" w="9525">
                   <a:solidFill>
                     <a:srgbClr val="000000"/>
                   </a:solidFill>
@@ -4513,7 +4699,7 @@
             </a:ln>
             <a:extLst>
               <a:ext uri="{91240B29-F687-4f45-9708-019B960494DF}">
-                <a14:hiddenLine xmlns="" xmlns:a14="http://schemas.microsoft.com/office/drawing/2010/main" w="9525">
+                <a14:hiddenLine xmlns:a14="http://schemas.microsoft.com/office/drawing/2010/main" xmlns="" w="9525">
                   <a:solidFill>
                     <a:srgbClr val="000000"/>
                   </a:solidFill>
@@ -4547,7 +4733,7 @@
             </a:ln>
             <a:extLst>
               <a:ext uri="{91240B29-F687-4f45-9708-019B960494DF}">
-                <a14:hiddenLine xmlns="" xmlns:a14="http://schemas.microsoft.com/office/drawing/2010/main" w="9525">
+                <a14:hiddenLine xmlns:a14="http://schemas.microsoft.com/office/drawing/2010/main" xmlns="" w="9525">
                   <a:solidFill>
                     <a:srgbClr val="000000"/>
                   </a:solidFill>
@@ -4612,7 +4798,7 @@
             </a:ln>
             <a:extLst>
               <a:ext uri="{91240B29-F687-4f45-9708-019B960494DF}">
-                <a14:hiddenLine xmlns="" xmlns:a14="http://schemas.microsoft.com/office/drawing/2010/main" w="9525">
+                <a14:hiddenLine xmlns:a14="http://schemas.microsoft.com/office/drawing/2010/main" xmlns="" w="9525">
                   <a:solidFill>
                     <a:srgbClr val="000000"/>
                   </a:solidFill>
@@ -4702,7 +4888,7 @@
             </a:ln>
             <a:extLst>
               <a:ext uri="{91240B29-F687-4f45-9708-019B960494DF}">
-                <a14:hiddenLine xmlns="" xmlns:a14="http://schemas.microsoft.com/office/drawing/2010/main" w="9525">
+                <a14:hiddenLine xmlns:a14="http://schemas.microsoft.com/office/drawing/2010/main" xmlns="" w="9525">
                   <a:solidFill>
                     <a:srgbClr val="000000"/>
                   </a:solidFill>
@@ -4764,7 +4950,7 @@
             </a:ln>
             <a:extLst>
               <a:ext uri="{91240B29-F687-4f45-9708-019B960494DF}">
-                <a14:hiddenLine xmlns="" xmlns:a14="http://schemas.microsoft.com/office/drawing/2010/main" w="9525">
+                <a14:hiddenLine xmlns:a14="http://schemas.microsoft.com/office/drawing/2010/main" xmlns="" w="9525">
                   <a:solidFill>
                     <a:srgbClr val="000000"/>
                   </a:solidFill>
@@ -4854,7 +5040,7 @@
             </a:ln>
             <a:extLst>
               <a:ext uri="{91240B29-F687-4f45-9708-019B960494DF}">
-                <a14:hiddenLine xmlns="" xmlns:a14="http://schemas.microsoft.com/office/drawing/2010/main" w="9525">
+                <a14:hiddenLine xmlns:a14="http://schemas.microsoft.com/office/drawing/2010/main" xmlns="" w="9525">
                   <a:solidFill>
                     <a:srgbClr val="000000"/>
                   </a:solidFill>
@@ -4944,7 +5130,7 @@
             </a:ln>
             <a:extLst>
               <a:ext uri="{91240B29-F687-4f45-9708-019B960494DF}">
-                <a14:hiddenLine xmlns="" xmlns:a14="http://schemas.microsoft.com/office/drawing/2010/main" w="9525">
+                <a14:hiddenLine xmlns:a14="http://schemas.microsoft.com/office/drawing/2010/main" xmlns="" w="9525">
                   <a:solidFill>
                     <a:srgbClr val="000000"/>
                   </a:solidFill>
@@ -5009,7 +5195,7 @@
             </a:ln>
             <a:extLst>
               <a:ext uri="{91240B29-F687-4f45-9708-019B960494DF}">
-                <a14:hiddenLine xmlns="" xmlns:a14="http://schemas.microsoft.com/office/drawing/2010/main" w="9525">
+                <a14:hiddenLine xmlns:a14="http://schemas.microsoft.com/office/drawing/2010/main" xmlns="" w="9525">
                   <a:solidFill>
                     <a:srgbClr val="000000"/>
                   </a:solidFill>
@@ -5071,7 +5257,7 @@
             </a:ln>
             <a:extLst>
               <a:ext uri="{91240B29-F687-4f45-9708-019B960494DF}">
-                <a14:hiddenLine xmlns="" xmlns:a14="http://schemas.microsoft.com/office/drawing/2010/main" w="9525">
+                <a14:hiddenLine xmlns:a14="http://schemas.microsoft.com/office/drawing/2010/main" xmlns="" w="9525">
                   <a:solidFill>
                     <a:srgbClr val="000000"/>
                   </a:solidFill>
@@ -5161,7 +5347,7 @@
             </a:ln>
             <a:extLst>
               <a:ext uri="{91240B29-F687-4f45-9708-019B960494DF}">
-                <a14:hiddenLine xmlns="" xmlns:a14="http://schemas.microsoft.com/office/drawing/2010/main" w="9525">
+                <a14:hiddenLine xmlns:a14="http://schemas.microsoft.com/office/drawing/2010/main" xmlns="" w="9525">
                   <a:solidFill>
                     <a:srgbClr val="000000"/>
                   </a:solidFill>
@@ -5251,7 +5437,7 @@
             </a:ln>
             <a:extLst>
               <a:ext uri="{91240B29-F687-4f45-9708-019B960494DF}">
-                <a14:hiddenLine xmlns="" xmlns:a14="http://schemas.microsoft.com/office/drawing/2010/main" w="9525">
+                <a14:hiddenLine xmlns:a14="http://schemas.microsoft.com/office/drawing/2010/main" xmlns="" w="9525">
                   <a:solidFill>
                     <a:srgbClr val="000000"/>
                   </a:solidFill>
@@ -5313,7 +5499,7 @@
             </a:ln>
             <a:extLst>
               <a:ext uri="{91240B29-F687-4f45-9708-019B960494DF}">
-                <a14:hiddenLine xmlns="" xmlns:a14="http://schemas.microsoft.com/office/drawing/2010/main" w="9525">
+                <a14:hiddenLine xmlns:a14="http://schemas.microsoft.com/office/drawing/2010/main" xmlns="" w="9525">
                   <a:solidFill>
                     <a:srgbClr val="000000"/>
                   </a:solidFill>
@@ -5433,7 +5619,7 @@
             </a:ln>
             <a:extLst>
               <a:ext uri="{91240B29-F687-4f45-9708-019B960494DF}">
-                <a14:hiddenLine xmlns="" xmlns:a14="http://schemas.microsoft.com/office/drawing/2010/main" w="9525">
+                <a14:hiddenLine xmlns:a14="http://schemas.microsoft.com/office/drawing/2010/main" xmlns="" w="9525">
                   <a:solidFill>
                     <a:srgbClr val="000000"/>
                   </a:solidFill>
@@ -5501,7 +5687,7 @@
             </a:ln>
             <a:extLst>
               <a:ext uri="{91240B29-F687-4f45-9708-019B960494DF}">
-                <a14:hiddenLine xmlns="" xmlns:a14="http://schemas.microsoft.com/office/drawing/2010/main" w="9525">
+                <a14:hiddenLine xmlns:a14="http://schemas.microsoft.com/office/drawing/2010/main" xmlns="" w="9525">
                   <a:solidFill>
                     <a:srgbClr val="000000"/>
                   </a:solidFill>
@@ -5591,7 +5777,7 @@
             </a:ln>
             <a:extLst>
               <a:ext uri="{91240B29-F687-4f45-9708-019B960494DF}">
-                <a14:hiddenLine xmlns="" xmlns:a14="http://schemas.microsoft.com/office/drawing/2010/main" w="9525">
+                <a14:hiddenLine xmlns:a14="http://schemas.microsoft.com/office/drawing/2010/main" xmlns="" w="9525">
                   <a:solidFill>
                     <a:srgbClr val="000000"/>
                   </a:solidFill>
@@ -5731,7 +5917,7 @@
           <a:p>
             <a:fld id="{48A87A34-81AB-432B-8DAE-1953F412C126}" type="datetimeFigureOut">
               <a:rPr lang="en-US" dirty="0"/>
-              <a:t>2/21/2023</a:t>
+              <a:t>2/22/2023</a:t>
             </a:fld>
             <a:endParaRPr lang="en-US" dirty="0"/>
           </a:p>
@@ -5993,7 +6179,7 @@
           <a:p>
             <a:fld id="{48A87A34-81AB-432B-8DAE-1953F412C126}" type="datetimeFigureOut">
               <a:rPr lang="en-US" dirty="0"/>
-              <a:t>2/21/2023</a:t>
+              <a:t>2/22/2023</a:t>
             </a:fld>
             <a:endParaRPr lang="en-US" dirty="0"/>
           </a:p>
@@ -6184,7 +6370,7 @@
           <a:p>
             <a:fld id="{48A87A34-81AB-432B-8DAE-1953F412C126}" type="datetimeFigureOut">
               <a:rPr lang="en-US" dirty="0"/>
-              <a:t>2/21/2023</a:t>
+              <a:t>2/22/2023</a:t>
             </a:fld>
             <a:endParaRPr lang="en-US" dirty="0"/>
           </a:p>
@@ -6442,7 +6628,7 @@
           <a:p>
             <a:fld id="{48A87A34-81AB-432B-8DAE-1953F412C126}" type="datetimeFigureOut">
               <a:rPr lang="en-US" dirty="0"/>
-              <a:t>2/21/2023</a:t>
+              <a:t>2/22/2023</a:t>
             </a:fld>
             <a:endParaRPr lang="en-US" dirty="0"/>
           </a:p>
@@ -6871,7 +7057,7 @@
           <a:p>
             <a:fld id="{48A87A34-81AB-432B-8DAE-1953F412C126}" type="datetimeFigureOut">
               <a:rPr lang="en-US" dirty="0"/>
-              <a:t>2/21/2023</a:t>
+              <a:t>2/22/2023</a:t>
             </a:fld>
             <a:endParaRPr lang="en-US" dirty="0"/>
           </a:p>
@@ -7412,7 +7598,7 @@
           <a:p>
             <a:fld id="{48A87A34-81AB-432B-8DAE-1953F412C126}" type="datetimeFigureOut">
               <a:rPr lang="en-US" dirty="0"/>
-              <a:t>2/21/2023</a:t>
+              <a:t>2/22/2023</a:t>
             </a:fld>
             <a:endParaRPr lang="en-US" dirty="0"/>
           </a:p>
@@ -8127,7 +8313,7 @@
           <a:p>
             <a:fld id="{48A87A34-81AB-432B-8DAE-1953F412C126}" type="datetimeFigureOut">
               <a:rPr lang="en-US" dirty="0"/>
-              <a:t>2/21/2023</a:t>
+              <a:t>2/22/2023</a:t>
             </a:fld>
             <a:endParaRPr lang="en-US" dirty="0"/>
           </a:p>
@@ -8292,7 +8478,7 @@
           <a:p>
             <a:fld id="{48A87A34-81AB-432B-8DAE-1953F412C126}" type="datetimeFigureOut">
               <a:rPr lang="en-US" dirty="0"/>
-              <a:t>2/21/2023</a:t>
+              <a:t>2/22/2023</a:t>
             </a:fld>
             <a:endParaRPr lang="en-US" dirty="0"/>
           </a:p>
@@ -8467,7 +8653,7 @@
           <a:p>
             <a:fld id="{48A87A34-81AB-432B-8DAE-1953F412C126}" type="datetimeFigureOut">
               <a:rPr lang="en-US" dirty="0"/>
-              <a:t>2/21/2023</a:t>
+              <a:t>2/22/2023</a:t>
             </a:fld>
             <a:endParaRPr lang="en-US" dirty="0"/>
           </a:p>
@@ -8632,7 +8818,7 @@
           <a:p>
             <a:fld id="{48A87A34-81AB-432B-8DAE-1953F412C126}" type="datetimeFigureOut">
               <a:rPr lang="en-US" dirty="0"/>
-              <a:t>2/21/2023</a:t>
+              <a:t>2/22/2023</a:t>
             </a:fld>
             <a:endParaRPr lang="en-US" dirty="0"/>
           </a:p>
@@ -8877,7 +9063,7 @@
           <a:p>
             <a:fld id="{48A87A34-81AB-432B-8DAE-1953F412C126}" type="datetimeFigureOut">
               <a:rPr lang="en-US" dirty="0"/>
-              <a:t>2/21/2023</a:t>
+              <a:t>2/22/2023</a:t>
             </a:fld>
             <a:endParaRPr lang="en-US" dirty="0"/>
           </a:p>
@@ -9104,7 +9290,7 @@
           <a:p>
             <a:fld id="{48A87A34-81AB-432B-8DAE-1953F412C126}" type="datetimeFigureOut">
               <a:rPr lang="en-US" dirty="0"/>
-              <a:t>2/21/2023</a:t>
+              <a:t>2/22/2023</a:t>
             </a:fld>
             <a:endParaRPr lang="en-US" dirty="0"/>
           </a:p>
@@ -9480,7 +9666,7 @@
           <a:p>
             <a:fld id="{48A87A34-81AB-432B-8DAE-1953F412C126}" type="datetimeFigureOut">
               <a:rPr lang="en-US" dirty="0"/>
-              <a:t>2/21/2023</a:t>
+              <a:t>2/22/2023</a:t>
             </a:fld>
             <a:endParaRPr lang="en-US" dirty="0"/>
           </a:p>
@@ -9593,7 +9779,7 @@
           <a:p>
             <a:fld id="{48A87A34-81AB-432B-8DAE-1953F412C126}" type="datetimeFigureOut">
               <a:rPr lang="en-US" dirty="0"/>
-              <a:t>2/21/2023</a:t>
+              <a:t>2/22/2023</a:t>
             </a:fld>
             <a:endParaRPr lang="en-US" dirty="0"/>
           </a:p>
@@ -9683,7 +9869,7 @@
           <a:p>
             <a:fld id="{48A87A34-81AB-432B-8DAE-1953F412C126}" type="datetimeFigureOut">
               <a:rPr lang="en-US" dirty="0"/>
-              <a:t>2/21/2023</a:t>
+              <a:t>2/22/2023</a:t>
             </a:fld>
             <a:endParaRPr lang="en-US" dirty="0"/>
           </a:p>
@@ -9927,7 +10113,7 @@
           <a:p>
             <a:fld id="{48A87A34-81AB-432B-8DAE-1953F412C126}" type="datetimeFigureOut">
               <a:rPr lang="en-US" dirty="0"/>
-              <a:t>2/21/2023</a:t>
+              <a:t>2/22/2023</a:t>
             </a:fld>
             <a:endParaRPr lang="en-US" dirty="0"/>
           </a:p>
@@ -10202,7 +10388,7 @@
           <a:p>
             <a:fld id="{48A87A34-81AB-432B-8DAE-1953F412C126}" type="datetimeFigureOut">
               <a:rPr lang="en-US" dirty="0"/>
-              <a:t>2/21/2023</a:t>
+              <a:t>2/22/2023</a:t>
             </a:fld>
             <a:endParaRPr lang="en-US" dirty="0"/>
           </a:p>
@@ -10313,7 +10499,7 @@
           <a:noFill/>
           <a:extLst>
             <a:ext uri="{909E8E84-426E-40dd-AFC4-6F175D3DCCD1}">
-              <a14:hiddenFill xmlns="" xmlns:a14="http://schemas.microsoft.com/office/drawing/2010/main">
+              <a14:hiddenFill xmlns:a14="http://schemas.microsoft.com/office/drawing/2010/main" xmlns="">
                 <a:solidFill>
                   <a:srgbClr val="FFFFFF"/>
                 </a:solidFill>
@@ -10387,7 +10573,7 @@
               </a:ln>
               <a:extLst>
                 <a:ext uri="{91240B29-F687-4f45-9708-019B960494DF}">
-                  <a14:hiddenLine xmlns="" xmlns:a14="http://schemas.microsoft.com/office/drawing/2010/main" w="9525">
+                  <a14:hiddenLine xmlns:a14="http://schemas.microsoft.com/office/drawing/2010/main" xmlns="" w="9525">
                     <a:solidFill>
                       <a:srgbClr val="000000"/>
                     </a:solidFill>
@@ -10477,7 +10663,7 @@
               </a:ln>
               <a:extLst>
                 <a:ext uri="{91240B29-F687-4f45-9708-019B960494DF}">
-                  <a14:hiddenLine xmlns="" xmlns:a14="http://schemas.microsoft.com/office/drawing/2010/main" w="9525">
+                  <a14:hiddenLine xmlns:a14="http://schemas.microsoft.com/office/drawing/2010/main" xmlns="" w="9525">
                     <a:solidFill>
                       <a:srgbClr val="000000"/>
                     </a:solidFill>
@@ -10567,7 +10753,7 @@
               </a:ln>
               <a:extLst>
                 <a:ext uri="{91240B29-F687-4f45-9708-019B960494DF}">
-                  <a14:hiddenLine xmlns="" xmlns:a14="http://schemas.microsoft.com/office/drawing/2010/main" w="9525">
+                  <a14:hiddenLine xmlns:a14="http://schemas.microsoft.com/office/drawing/2010/main" xmlns="" w="9525">
                     <a:solidFill>
                       <a:srgbClr val="000000"/>
                     </a:solidFill>
@@ -10629,7 +10815,7 @@
               </a:ln>
               <a:extLst>
                 <a:ext uri="{91240B29-F687-4f45-9708-019B960494DF}">
-                  <a14:hiddenLine xmlns="" xmlns:a14="http://schemas.microsoft.com/office/drawing/2010/main" w="9525">
+                  <a14:hiddenLine xmlns:a14="http://schemas.microsoft.com/office/drawing/2010/main" xmlns="" w="9525">
                     <a:solidFill>
                       <a:srgbClr val="000000"/>
                     </a:solidFill>
@@ -10719,7 +10905,7 @@
               </a:ln>
               <a:extLst>
                 <a:ext uri="{91240B29-F687-4f45-9708-019B960494DF}">
-                  <a14:hiddenLine xmlns="" xmlns:a14="http://schemas.microsoft.com/office/drawing/2010/main" w="9525">
+                  <a14:hiddenLine xmlns:a14="http://schemas.microsoft.com/office/drawing/2010/main" xmlns="" w="9525">
                     <a:solidFill>
                       <a:srgbClr val="000000"/>
                     </a:solidFill>
@@ -10781,7 +10967,7 @@
               </a:ln>
               <a:extLst>
                 <a:ext uri="{91240B29-F687-4f45-9708-019B960494DF}">
-                  <a14:hiddenLine xmlns="" xmlns:a14="http://schemas.microsoft.com/office/drawing/2010/main" w="9525">
+                  <a14:hiddenLine xmlns:a14="http://schemas.microsoft.com/office/drawing/2010/main" xmlns="" w="9525">
                     <a:solidFill>
                       <a:srgbClr val="000000"/>
                     </a:solidFill>
@@ -10843,7 +11029,7 @@
               </a:ln>
               <a:extLst>
                 <a:ext uri="{91240B29-F687-4f45-9708-019B960494DF}">
-                  <a14:hiddenLine xmlns="" xmlns:a14="http://schemas.microsoft.com/office/drawing/2010/main" w="9525">
+                  <a14:hiddenLine xmlns:a14="http://schemas.microsoft.com/office/drawing/2010/main" xmlns="" w="9525">
                     <a:solidFill>
                       <a:srgbClr val="000000"/>
                     </a:solidFill>
@@ -10933,7 +11119,7 @@
               </a:ln>
               <a:extLst>
                 <a:ext uri="{91240B29-F687-4f45-9708-019B960494DF}">
-                  <a14:hiddenLine xmlns="" xmlns:a14="http://schemas.microsoft.com/office/drawing/2010/main" w="9525">
+                  <a14:hiddenLine xmlns:a14="http://schemas.microsoft.com/office/drawing/2010/main" xmlns="" w="9525">
                     <a:solidFill>
                       <a:srgbClr val="000000"/>
                     </a:solidFill>
@@ -11023,7 +11209,7 @@
               </a:ln>
               <a:extLst>
                 <a:ext uri="{91240B29-F687-4f45-9708-019B960494DF}">
-                  <a14:hiddenLine xmlns="" xmlns:a14="http://schemas.microsoft.com/office/drawing/2010/main" w="9525">
+                  <a14:hiddenLine xmlns:a14="http://schemas.microsoft.com/office/drawing/2010/main" xmlns="" w="9525">
                     <a:solidFill>
                       <a:srgbClr val="000000"/>
                     </a:solidFill>
@@ -11085,7 +11271,7 @@
               </a:ln>
               <a:extLst>
                 <a:ext uri="{91240B29-F687-4f45-9708-019B960494DF}">
-                  <a14:hiddenLine xmlns="" xmlns:a14="http://schemas.microsoft.com/office/drawing/2010/main" w="9525">
+                  <a14:hiddenLine xmlns:a14="http://schemas.microsoft.com/office/drawing/2010/main" xmlns="" w="9525">
                     <a:solidFill>
                       <a:srgbClr val="000000"/>
                     </a:solidFill>
@@ -11195,7 +11381,7 @@
               </a:ln>
               <a:extLst>
                 <a:ext uri="{91240B29-F687-4f45-9708-019B960494DF}">
-                  <a14:hiddenLine xmlns="" xmlns:a14="http://schemas.microsoft.com/office/drawing/2010/main" w="9525">
+                  <a14:hiddenLine xmlns:a14="http://schemas.microsoft.com/office/drawing/2010/main" xmlns="" w="9525">
                     <a:solidFill>
                       <a:srgbClr val="000000"/>
                     </a:solidFill>
@@ -11279,7 +11465,7 @@
               </a:ln>
               <a:extLst>
                 <a:ext uri="{91240B29-F687-4f45-9708-019B960494DF}">
-                  <a14:hiddenLine xmlns="" xmlns:a14="http://schemas.microsoft.com/office/drawing/2010/main" w="9525">
+                  <a14:hiddenLine xmlns:a14="http://schemas.microsoft.com/office/drawing/2010/main" xmlns="" w="9525">
                     <a:solidFill>
                       <a:srgbClr val="000000"/>
                     </a:solidFill>
@@ -11341,7 +11527,7 @@
               </a:ln>
               <a:extLst>
                 <a:ext uri="{91240B29-F687-4f45-9708-019B960494DF}">
-                  <a14:hiddenLine xmlns="" xmlns:a14="http://schemas.microsoft.com/office/drawing/2010/main" w="9525">
+                  <a14:hiddenLine xmlns:a14="http://schemas.microsoft.com/office/drawing/2010/main" xmlns="" w="9525">
                     <a:solidFill>
                       <a:srgbClr val="000000"/>
                     </a:solidFill>
@@ -11403,7 +11589,7 @@
               </a:ln>
               <a:extLst>
                 <a:ext uri="{91240B29-F687-4f45-9708-019B960494DF}">
-                  <a14:hiddenLine xmlns="" xmlns:a14="http://schemas.microsoft.com/office/drawing/2010/main" w="9525">
+                  <a14:hiddenLine xmlns:a14="http://schemas.microsoft.com/office/drawing/2010/main" xmlns="" w="9525">
                     <a:solidFill>
                       <a:srgbClr val="000000"/>
                     </a:solidFill>
@@ -11493,7 +11679,7 @@
               </a:ln>
               <a:extLst>
                 <a:ext uri="{91240B29-F687-4f45-9708-019B960494DF}">
-                  <a14:hiddenLine xmlns="" xmlns:a14="http://schemas.microsoft.com/office/drawing/2010/main" w="9525">
+                  <a14:hiddenLine xmlns:a14="http://schemas.microsoft.com/office/drawing/2010/main" xmlns="" w="9525">
                     <a:solidFill>
                       <a:srgbClr val="000000"/>
                     </a:solidFill>
@@ -11527,7 +11713,7 @@
               </a:ln>
               <a:extLst>
                 <a:ext uri="{91240B29-F687-4f45-9708-019B960494DF}">
-                  <a14:hiddenLine xmlns="" xmlns:a14="http://schemas.microsoft.com/office/drawing/2010/main" w="9525">
+                  <a14:hiddenLine xmlns:a14="http://schemas.microsoft.com/office/drawing/2010/main" xmlns="" w="9525">
                     <a:solidFill>
                       <a:srgbClr val="000000"/>
                     </a:solidFill>
@@ -11592,7 +11778,7 @@
               </a:ln>
               <a:extLst>
                 <a:ext uri="{91240B29-F687-4f45-9708-019B960494DF}">
-                  <a14:hiddenLine xmlns="" xmlns:a14="http://schemas.microsoft.com/office/drawing/2010/main" w="9525">
+                  <a14:hiddenLine xmlns:a14="http://schemas.microsoft.com/office/drawing/2010/main" xmlns="" w="9525">
                     <a:solidFill>
                       <a:srgbClr val="000000"/>
                     </a:solidFill>
@@ -11682,7 +11868,7 @@
               </a:ln>
               <a:extLst>
                 <a:ext uri="{91240B29-F687-4f45-9708-019B960494DF}">
-                  <a14:hiddenLine xmlns="" xmlns:a14="http://schemas.microsoft.com/office/drawing/2010/main" w="9525">
+                  <a14:hiddenLine xmlns:a14="http://schemas.microsoft.com/office/drawing/2010/main" xmlns="" w="9525">
                     <a:solidFill>
                       <a:srgbClr val="000000"/>
                     </a:solidFill>
@@ -11744,7 +11930,7 @@
               </a:ln>
               <a:extLst>
                 <a:ext uri="{91240B29-F687-4f45-9708-019B960494DF}">
-                  <a14:hiddenLine xmlns="" xmlns:a14="http://schemas.microsoft.com/office/drawing/2010/main" w="9525">
+                  <a14:hiddenLine xmlns:a14="http://schemas.microsoft.com/office/drawing/2010/main" xmlns="" w="9525">
                     <a:solidFill>
                       <a:srgbClr val="000000"/>
                     </a:solidFill>
@@ -11834,7 +12020,7 @@
               </a:ln>
               <a:extLst>
                 <a:ext uri="{91240B29-F687-4f45-9708-019B960494DF}">
-                  <a14:hiddenLine xmlns="" xmlns:a14="http://schemas.microsoft.com/office/drawing/2010/main" w="9525">
+                  <a14:hiddenLine xmlns:a14="http://schemas.microsoft.com/office/drawing/2010/main" xmlns="" w="9525">
                     <a:solidFill>
                       <a:srgbClr val="000000"/>
                     </a:solidFill>
@@ -11899,7 +12085,7 @@
               </a:ln>
               <a:extLst>
                 <a:ext uri="{91240B29-F687-4f45-9708-019B960494DF}">
-                  <a14:hiddenLine xmlns="" xmlns:a14="http://schemas.microsoft.com/office/drawing/2010/main" w="9525">
+                  <a14:hiddenLine xmlns:a14="http://schemas.microsoft.com/office/drawing/2010/main" xmlns="" w="9525">
                     <a:solidFill>
                       <a:srgbClr val="000000"/>
                     </a:solidFill>
@@ -11961,7 +12147,7 @@
               </a:ln>
               <a:extLst>
                 <a:ext uri="{91240B29-F687-4f45-9708-019B960494DF}">
-                  <a14:hiddenLine xmlns="" xmlns:a14="http://schemas.microsoft.com/office/drawing/2010/main" w="9525">
+                  <a14:hiddenLine xmlns:a14="http://schemas.microsoft.com/office/drawing/2010/main" xmlns="" w="9525">
                     <a:solidFill>
                       <a:srgbClr val="000000"/>
                     </a:solidFill>
@@ -12051,7 +12237,7 @@
               </a:ln>
               <a:extLst>
                 <a:ext uri="{91240B29-F687-4f45-9708-019B960494DF}">
-                  <a14:hiddenLine xmlns="" xmlns:a14="http://schemas.microsoft.com/office/drawing/2010/main" w="9525">
+                  <a14:hiddenLine xmlns:a14="http://schemas.microsoft.com/office/drawing/2010/main" xmlns="" w="9525">
                     <a:solidFill>
                       <a:srgbClr val="000000"/>
                     </a:solidFill>
@@ -12141,7 +12327,7 @@
               </a:ln>
               <a:extLst>
                 <a:ext uri="{91240B29-F687-4f45-9708-019B960494DF}">
-                  <a14:hiddenLine xmlns="" xmlns:a14="http://schemas.microsoft.com/office/drawing/2010/main" w="9525">
+                  <a14:hiddenLine xmlns:a14="http://schemas.microsoft.com/office/drawing/2010/main" xmlns="" w="9525">
                     <a:solidFill>
                       <a:srgbClr val="000000"/>
                     </a:solidFill>
@@ -12206,7 +12392,7 @@
               </a:ln>
               <a:extLst>
                 <a:ext uri="{91240B29-F687-4f45-9708-019B960494DF}">
-                  <a14:hiddenLine xmlns="" xmlns:a14="http://schemas.microsoft.com/office/drawing/2010/main" w="9525">
+                  <a14:hiddenLine xmlns:a14="http://schemas.microsoft.com/office/drawing/2010/main" xmlns="" w="9525">
                     <a:solidFill>
                       <a:srgbClr val="000000"/>
                     </a:solidFill>
@@ -12326,7 +12512,7 @@
               </a:ln>
               <a:extLst>
                 <a:ext uri="{91240B29-F687-4f45-9708-019B960494DF}">
-                  <a14:hiddenLine xmlns="" xmlns:a14="http://schemas.microsoft.com/office/drawing/2010/main" w="9525">
+                  <a14:hiddenLine xmlns:a14="http://schemas.microsoft.com/office/drawing/2010/main" xmlns="" w="9525">
                     <a:solidFill>
                       <a:srgbClr val="000000"/>
                     </a:solidFill>
@@ -12424,7 +12610,7 @@
               </a:ln>
               <a:extLst>
                 <a:ext uri="{91240B29-F687-4f45-9708-019B960494DF}">
-                  <a14:hiddenLine xmlns="" xmlns:a14="http://schemas.microsoft.com/office/drawing/2010/main" w="9525">
+                  <a14:hiddenLine xmlns:a14="http://schemas.microsoft.com/office/drawing/2010/main" xmlns="" w="9525">
                     <a:solidFill>
                       <a:srgbClr val="000000"/>
                     </a:solidFill>
@@ -12539,7 +12725,7 @@
               </a:ln>
               <a:extLst>
                 <a:ext uri="{91240B29-F687-4f45-9708-019B960494DF}">
-                  <a14:hiddenLine xmlns="" xmlns:a14="http://schemas.microsoft.com/office/drawing/2010/main" w="9525">
+                  <a14:hiddenLine xmlns:a14="http://schemas.microsoft.com/office/drawing/2010/main" xmlns="" w="9525">
                     <a:solidFill>
                       <a:srgbClr val="000000"/>
                     </a:solidFill>
@@ -12629,7 +12815,7 @@
               </a:ln>
               <a:extLst>
                 <a:ext uri="{91240B29-F687-4f45-9708-019B960494DF}">
-                  <a14:hiddenLine xmlns="" xmlns:a14="http://schemas.microsoft.com/office/drawing/2010/main" w="9525">
+                  <a14:hiddenLine xmlns:a14="http://schemas.microsoft.com/office/drawing/2010/main" xmlns="" w="9525">
                     <a:solidFill>
                       <a:srgbClr val="000000"/>
                     </a:solidFill>
@@ -12694,7 +12880,7 @@
               </a:ln>
               <a:extLst>
                 <a:ext uri="{91240B29-F687-4f45-9708-019B960494DF}">
-                  <a14:hiddenLine xmlns="" xmlns:a14="http://schemas.microsoft.com/office/drawing/2010/main" w="9525">
+                  <a14:hiddenLine xmlns:a14="http://schemas.microsoft.com/office/drawing/2010/main" xmlns="" w="9525">
                     <a:solidFill>
                       <a:srgbClr val="000000"/>
                     </a:solidFill>
@@ -12784,7 +12970,7 @@
               </a:ln>
               <a:extLst>
                 <a:ext uri="{91240B29-F687-4f45-9708-019B960494DF}">
-                  <a14:hiddenLine xmlns="" xmlns:a14="http://schemas.microsoft.com/office/drawing/2010/main" w="9525">
+                  <a14:hiddenLine xmlns:a14="http://schemas.microsoft.com/office/drawing/2010/main" xmlns="" w="9525">
                     <a:solidFill>
                       <a:srgbClr val="000000"/>
                     </a:solidFill>
@@ -12852,7 +13038,7 @@
               </a:ln>
               <a:extLst>
                 <a:ext uri="{91240B29-F687-4f45-9708-019B960494DF}">
-                  <a14:hiddenLine xmlns="" xmlns:a14="http://schemas.microsoft.com/office/drawing/2010/main" w="9525">
+                  <a14:hiddenLine xmlns:a14="http://schemas.microsoft.com/office/drawing/2010/main" xmlns="" w="9525">
                     <a:solidFill>
                       <a:srgbClr val="000000"/>
                     </a:solidFill>
@@ -12942,7 +13128,7 @@
               </a:ln>
               <a:extLst>
                 <a:ext uri="{91240B29-F687-4f45-9708-019B960494DF}">
-                  <a14:hiddenLine xmlns="" xmlns:a14="http://schemas.microsoft.com/office/drawing/2010/main" w="9525">
+                  <a14:hiddenLine xmlns:a14="http://schemas.microsoft.com/office/drawing/2010/main" xmlns="" w="9525">
                     <a:solidFill>
                       <a:srgbClr val="000000"/>
                     </a:solidFill>
@@ -13010,7 +13196,7 @@
               </a:ln>
               <a:extLst>
                 <a:ext uri="{91240B29-F687-4f45-9708-019B960494DF}">
-                  <a14:hiddenLine xmlns="" xmlns:a14="http://schemas.microsoft.com/office/drawing/2010/main" w="9525">
+                  <a14:hiddenLine xmlns:a14="http://schemas.microsoft.com/office/drawing/2010/main" xmlns="" w="9525">
                     <a:solidFill>
                       <a:srgbClr val="000000"/>
                     </a:solidFill>
@@ -13100,7 +13286,7 @@
               </a:ln>
               <a:extLst>
                 <a:ext uri="{91240B29-F687-4f45-9708-019B960494DF}">
-                  <a14:hiddenLine xmlns="" xmlns:a14="http://schemas.microsoft.com/office/drawing/2010/main" w="9525">
+                  <a14:hiddenLine xmlns:a14="http://schemas.microsoft.com/office/drawing/2010/main" xmlns="" w="9525">
                     <a:solidFill>
                       <a:srgbClr val="000000"/>
                     </a:solidFill>
@@ -13134,7 +13320,7 @@
               </a:ln>
               <a:extLst>
                 <a:ext uri="{91240B29-F687-4f45-9708-019B960494DF}">
-                  <a14:hiddenLine xmlns="" xmlns:a14="http://schemas.microsoft.com/office/drawing/2010/main" w="9525">
+                  <a14:hiddenLine xmlns:a14="http://schemas.microsoft.com/office/drawing/2010/main" xmlns="" w="9525">
                     <a:solidFill>
                       <a:srgbClr val="000000"/>
                     </a:solidFill>
@@ -13275,7 +13461,7 @@
             <a:fld id="{48A87A34-81AB-432B-8DAE-1953F412C126}" type="datetimeFigureOut">
               <a:rPr lang="en-US" dirty="0"/>
               <a:pPr/>
-              <a:t>2/21/2023</a:t>
+              <a:t>2/22/2023</a:t>
             </a:fld>
             <a:endParaRPr lang="en-US" dirty="0"/>
           </a:p>
@@ -15485,6 +15671,13 @@
   <p:clrMapOvr>
     <a:masterClrMapping/>
   </p:clrMapOvr>
+  <p:timing>
+    <p:tnLst>
+      <p:par>
+        <p:cTn id="1" dur="indefinite" restart="never" nodeType="tmRoot"/>
+      </p:par>
+    </p:tnLst>
+  </p:timing>
 </p:sld>
 </file>
 
@@ -15620,10 +15813,470 @@
   <p:clrMapOvr>
     <a:masterClrMapping/>
   </p:clrMapOvr>
+  <p:timing>
+    <p:tnLst>
+      <p:par>
+        <p:cTn id="1" dur="indefinite" restart="never" nodeType="tmRoot"/>
+      </p:par>
+    </p:tnLst>
+  </p:timing>
 </p:sld>
 </file>
 
 <file path=ppt/slides/slide6.xml><?xml version="1.0" encoding="utf-8"?>
+<p:sld xmlns:a="http://schemas.openxmlformats.org/drawingml/2006/main" xmlns:r="http://schemas.openxmlformats.org/officeDocument/2006/relationships" xmlns:p="http://schemas.openxmlformats.org/presentationml/2006/main">
+  <p:cSld>
+    <p:spTree>
+      <p:nvGrpSpPr>
+        <p:cNvPr id="1" name=""/>
+        <p:cNvGrpSpPr/>
+        <p:nvPr/>
+      </p:nvGrpSpPr>
+      <p:grpSpPr>
+        <a:xfrm>
+          <a:off x="0" y="0"/>
+          <a:ext cx="0" cy="0"/>
+          <a:chOff x="0" y="0"/>
+          <a:chExt cx="0" cy="0"/>
+        </a:xfrm>
+      </p:grpSpPr>
+      <p:pic>
+        <p:nvPicPr>
+          <p:cNvPr id="4" name="Kép 3"/>
+          <p:cNvPicPr>
+            <a:picLocks noChangeAspect="1"/>
+          </p:cNvPicPr>
+          <p:nvPr/>
+        </p:nvPicPr>
+        <p:blipFill>
+          <a:blip r:embed="rId3"/>
+          <a:stretch>
+            <a:fillRect/>
+          </a:stretch>
+        </p:blipFill>
+        <p:spPr>
+          <a:xfrm>
+            <a:off x="6200671" y="2513404"/>
+            <a:ext cx="4846740" cy="2627604"/>
+          </a:xfrm>
+          <a:prstGeom prst="rect">
+            <a:avLst/>
+          </a:prstGeom>
+        </p:spPr>
+      </p:pic>
+      <p:pic>
+        <p:nvPicPr>
+          <p:cNvPr id="5" name="Kép 4"/>
+          <p:cNvPicPr>
+            <a:picLocks noChangeAspect="1"/>
+          </p:cNvPicPr>
+          <p:nvPr/>
+        </p:nvPicPr>
+        <p:blipFill>
+          <a:blip r:embed="rId4"/>
+          <a:stretch>
+            <a:fillRect/>
+          </a:stretch>
+        </p:blipFill>
+        <p:spPr>
+          <a:xfrm>
+            <a:off x="1141413" y="2513404"/>
+            <a:ext cx="4359018" cy="2627604"/>
+          </a:xfrm>
+          <a:prstGeom prst="rect">
+            <a:avLst/>
+          </a:prstGeom>
+        </p:spPr>
+      </p:pic>
+      <p:pic>
+        <p:nvPicPr>
+          <p:cNvPr id="6" name="Kép 5"/>
+          <p:cNvPicPr>
+            <a:picLocks noChangeAspect="1"/>
+          </p:cNvPicPr>
+          <p:nvPr/>
+        </p:nvPicPr>
+        <p:blipFill>
+          <a:blip r:embed="rId5"/>
+          <a:stretch>
+            <a:fillRect/>
+          </a:stretch>
+        </p:blipFill>
+        <p:spPr>
+          <a:xfrm>
+            <a:off x="1141413" y="2513404"/>
+            <a:ext cx="4365114" cy="2627604"/>
+          </a:xfrm>
+          <a:prstGeom prst="rect">
+            <a:avLst/>
+          </a:prstGeom>
+        </p:spPr>
+      </p:pic>
+      <p:pic>
+        <p:nvPicPr>
+          <p:cNvPr id="8" name="Kép 7"/>
+          <p:cNvPicPr>
+            <a:picLocks noChangeAspect="1"/>
+          </p:cNvPicPr>
+          <p:nvPr/>
+        </p:nvPicPr>
+        <p:blipFill>
+          <a:blip r:embed="rId6"/>
+          <a:stretch>
+            <a:fillRect/>
+          </a:stretch>
+        </p:blipFill>
+        <p:spPr>
+          <a:xfrm>
+            <a:off x="6208606" y="2510048"/>
+            <a:ext cx="4852836" cy="2630959"/>
+          </a:xfrm>
+          <a:prstGeom prst="rect">
+            <a:avLst/>
+          </a:prstGeom>
+        </p:spPr>
+      </p:pic>
+      <p:pic>
+        <p:nvPicPr>
+          <p:cNvPr id="7" name="Kép 6"/>
+          <p:cNvPicPr>
+            <a:picLocks noChangeAspect="1"/>
+          </p:cNvPicPr>
+          <p:nvPr/>
+        </p:nvPicPr>
+        <p:blipFill>
+          <a:blip r:embed="rId7"/>
+          <a:stretch>
+            <a:fillRect/>
+          </a:stretch>
+        </p:blipFill>
+        <p:spPr>
+          <a:xfrm>
+            <a:off x="6202510" y="2510049"/>
+            <a:ext cx="4852836" cy="2630959"/>
+          </a:xfrm>
+          <a:prstGeom prst="rect">
+            <a:avLst/>
+          </a:prstGeom>
+        </p:spPr>
+      </p:pic>
+    </p:spTree>
+    <p:extLst>
+      <p:ext uri="{BB962C8B-B14F-4D97-AF65-F5344CB8AC3E}">
+        <p14:creationId xmlns:p14="http://schemas.microsoft.com/office/powerpoint/2010/main" val="1920445495"/>
+      </p:ext>
+    </p:extLst>
+  </p:cSld>
+  <p:clrMapOvr>
+    <a:masterClrMapping/>
+  </p:clrMapOvr>
+  <p:timing>
+    <p:tnLst>
+      <p:par>
+        <p:cTn id="1" dur="indefinite" restart="never" nodeType="tmRoot">
+          <p:childTnLst>
+            <p:seq concurrent="1" nextAc="seek">
+              <p:cTn id="2" dur="indefinite" nodeType="mainSeq">
+                <p:childTnLst>
+                  <p:par>
+                    <p:cTn id="3" fill="hold">
+                      <p:stCondLst>
+                        <p:cond delay="indefinite"/>
+                      </p:stCondLst>
+                      <p:childTnLst>
+                        <p:par>
+                          <p:cTn id="4" fill="hold">
+                            <p:stCondLst>
+                              <p:cond delay="0"/>
+                            </p:stCondLst>
+                            <p:childTnLst>
+                              <p:par>
+                                <p:cTn id="5" presetID="2" presetClass="entr" presetSubtype="4" fill="hold" nodeType="clickEffect">
+                                  <p:stCondLst>
+                                    <p:cond delay="0"/>
+                                  </p:stCondLst>
+                                  <p:childTnLst>
+                                    <p:set>
+                                      <p:cBhvr>
+                                        <p:cTn id="6" dur="1" fill="hold">
+                                          <p:stCondLst>
+                                            <p:cond delay="0"/>
+                                          </p:stCondLst>
+                                        </p:cTn>
+                                        <p:tgtEl>
+                                          <p:spTgt spid="6"/>
+                                        </p:tgtEl>
+                                        <p:attrNameLst>
+                                          <p:attrName>style.visibility</p:attrName>
+                                        </p:attrNameLst>
+                                      </p:cBhvr>
+                                      <p:to>
+                                        <p:strVal val="visible"/>
+                                      </p:to>
+                                    </p:set>
+                                    <p:anim calcmode="lin" valueType="num">
+                                      <p:cBhvr additive="base">
+                                        <p:cTn id="7" dur="500" fill="hold"/>
+                                        <p:tgtEl>
+                                          <p:spTgt spid="6"/>
+                                        </p:tgtEl>
+                                        <p:attrNameLst>
+                                          <p:attrName>ppt_x</p:attrName>
+                                        </p:attrNameLst>
+                                      </p:cBhvr>
+                                      <p:tavLst>
+                                        <p:tav tm="0">
+                                          <p:val>
+                                            <p:strVal val="#ppt_x"/>
+                                          </p:val>
+                                        </p:tav>
+                                        <p:tav tm="100000">
+                                          <p:val>
+                                            <p:strVal val="#ppt_x"/>
+                                          </p:val>
+                                        </p:tav>
+                                      </p:tavLst>
+                                    </p:anim>
+                                    <p:anim calcmode="lin" valueType="num">
+                                      <p:cBhvr additive="base">
+                                        <p:cTn id="8" dur="500" fill="hold"/>
+                                        <p:tgtEl>
+                                          <p:spTgt spid="6"/>
+                                        </p:tgtEl>
+                                        <p:attrNameLst>
+                                          <p:attrName>ppt_y</p:attrName>
+                                        </p:attrNameLst>
+                                      </p:cBhvr>
+                                      <p:tavLst>
+                                        <p:tav tm="0">
+                                          <p:val>
+                                            <p:strVal val="1+#ppt_h/2"/>
+                                          </p:val>
+                                        </p:tav>
+                                        <p:tav tm="100000">
+                                          <p:val>
+                                            <p:strVal val="#ppt_y"/>
+                                          </p:val>
+                                        </p:tav>
+                                      </p:tavLst>
+                                    </p:anim>
+                                  </p:childTnLst>
+                                </p:cTn>
+                              </p:par>
+                            </p:childTnLst>
+                          </p:cTn>
+                        </p:par>
+                      </p:childTnLst>
+                    </p:cTn>
+                  </p:par>
+                  <p:par>
+                    <p:cTn id="9" fill="hold">
+                      <p:stCondLst>
+                        <p:cond delay="indefinite"/>
+                      </p:stCondLst>
+                      <p:childTnLst>
+                        <p:par>
+                          <p:cTn id="10" fill="hold">
+                            <p:stCondLst>
+                              <p:cond delay="0"/>
+                            </p:stCondLst>
+                            <p:childTnLst>
+                              <p:par>
+                                <p:cTn id="11" presetID="2" presetClass="entr" presetSubtype="4" fill="hold" nodeType="clickEffect">
+                                  <p:stCondLst>
+                                    <p:cond delay="0"/>
+                                  </p:stCondLst>
+                                  <p:childTnLst>
+                                    <p:set>
+                                      <p:cBhvr>
+                                        <p:cTn id="12" dur="1" fill="hold">
+                                          <p:stCondLst>
+                                            <p:cond delay="0"/>
+                                          </p:stCondLst>
+                                        </p:cTn>
+                                        <p:tgtEl>
+                                          <p:spTgt spid="8"/>
+                                        </p:tgtEl>
+                                        <p:attrNameLst>
+                                          <p:attrName>style.visibility</p:attrName>
+                                        </p:attrNameLst>
+                                      </p:cBhvr>
+                                      <p:to>
+                                        <p:strVal val="visible"/>
+                                      </p:to>
+                                    </p:set>
+                                    <p:anim calcmode="lin" valueType="num">
+                                      <p:cBhvr additive="base">
+                                        <p:cTn id="13" dur="500" fill="hold"/>
+                                        <p:tgtEl>
+                                          <p:spTgt spid="8"/>
+                                        </p:tgtEl>
+                                        <p:attrNameLst>
+                                          <p:attrName>ppt_x</p:attrName>
+                                        </p:attrNameLst>
+                                      </p:cBhvr>
+                                      <p:tavLst>
+                                        <p:tav tm="0">
+                                          <p:val>
+                                            <p:strVal val="#ppt_x"/>
+                                          </p:val>
+                                        </p:tav>
+                                        <p:tav tm="100000">
+                                          <p:val>
+                                            <p:strVal val="#ppt_x"/>
+                                          </p:val>
+                                        </p:tav>
+                                      </p:tavLst>
+                                    </p:anim>
+                                    <p:anim calcmode="lin" valueType="num">
+                                      <p:cBhvr additive="base">
+                                        <p:cTn id="14" dur="500" fill="hold"/>
+                                        <p:tgtEl>
+                                          <p:spTgt spid="8"/>
+                                        </p:tgtEl>
+                                        <p:attrNameLst>
+                                          <p:attrName>ppt_y</p:attrName>
+                                        </p:attrNameLst>
+                                      </p:cBhvr>
+                                      <p:tavLst>
+                                        <p:tav tm="0">
+                                          <p:val>
+                                            <p:strVal val="1+#ppt_h/2"/>
+                                          </p:val>
+                                        </p:tav>
+                                        <p:tav tm="100000">
+                                          <p:val>
+                                            <p:strVal val="#ppt_y"/>
+                                          </p:val>
+                                        </p:tav>
+                                      </p:tavLst>
+                                    </p:anim>
+                                  </p:childTnLst>
+                                </p:cTn>
+                              </p:par>
+                            </p:childTnLst>
+                          </p:cTn>
+                        </p:par>
+                      </p:childTnLst>
+                    </p:cTn>
+                  </p:par>
+                  <p:par>
+                    <p:cTn id="15" fill="hold">
+                      <p:stCondLst>
+                        <p:cond delay="indefinite"/>
+                      </p:stCondLst>
+                      <p:childTnLst>
+                        <p:par>
+                          <p:cTn id="16" fill="hold">
+                            <p:stCondLst>
+                              <p:cond delay="0"/>
+                            </p:stCondLst>
+                            <p:childTnLst>
+                              <p:par>
+                                <p:cTn id="17" presetID="2" presetClass="entr" presetSubtype="4" fill="hold" nodeType="clickEffect">
+                                  <p:stCondLst>
+                                    <p:cond delay="0"/>
+                                  </p:stCondLst>
+                                  <p:childTnLst>
+                                    <p:set>
+                                      <p:cBhvr>
+                                        <p:cTn id="18" dur="1" fill="hold">
+                                          <p:stCondLst>
+                                            <p:cond delay="0"/>
+                                          </p:stCondLst>
+                                        </p:cTn>
+                                        <p:tgtEl>
+                                          <p:spTgt spid="7"/>
+                                        </p:tgtEl>
+                                        <p:attrNameLst>
+                                          <p:attrName>style.visibility</p:attrName>
+                                        </p:attrNameLst>
+                                      </p:cBhvr>
+                                      <p:to>
+                                        <p:strVal val="visible"/>
+                                      </p:to>
+                                    </p:set>
+                                    <p:anim calcmode="lin" valueType="num">
+                                      <p:cBhvr additive="base">
+                                        <p:cTn id="19" dur="500" fill="hold"/>
+                                        <p:tgtEl>
+                                          <p:spTgt spid="7"/>
+                                        </p:tgtEl>
+                                        <p:attrNameLst>
+                                          <p:attrName>ppt_x</p:attrName>
+                                        </p:attrNameLst>
+                                      </p:cBhvr>
+                                      <p:tavLst>
+                                        <p:tav tm="0">
+                                          <p:val>
+                                            <p:strVal val="#ppt_x"/>
+                                          </p:val>
+                                        </p:tav>
+                                        <p:tav tm="100000">
+                                          <p:val>
+                                            <p:strVal val="#ppt_x"/>
+                                          </p:val>
+                                        </p:tav>
+                                      </p:tavLst>
+                                    </p:anim>
+                                    <p:anim calcmode="lin" valueType="num">
+                                      <p:cBhvr additive="base">
+                                        <p:cTn id="20" dur="500" fill="hold"/>
+                                        <p:tgtEl>
+                                          <p:spTgt spid="7"/>
+                                        </p:tgtEl>
+                                        <p:attrNameLst>
+                                          <p:attrName>ppt_y</p:attrName>
+                                        </p:attrNameLst>
+                                      </p:cBhvr>
+                                      <p:tavLst>
+                                        <p:tav tm="0">
+                                          <p:val>
+                                            <p:strVal val="1+#ppt_h/2"/>
+                                          </p:val>
+                                        </p:tav>
+                                        <p:tav tm="100000">
+                                          <p:val>
+                                            <p:strVal val="#ppt_y"/>
+                                          </p:val>
+                                        </p:tav>
+                                      </p:tavLst>
+                                    </p:anim>
+                                  </p:childTnLst>
+                                </p:cTn>
+                              </p:par>
+                            </p:childTnLst>
+                          </p:cTn>
+                        </p:par>
+                      </p:childTnLst>
+                    </p:cTn>
+                  </p:par>
+                </p:childTnLst>
+              </p:cTn>
+              <p:prevCondLst>
+                <p:cond evt="onPrev" delay="0">
+                  <p:tgtEl>
+                    <p:sldTgt/>
+                  </p:tgtEl>
+                </p:cond>
+              </p:prevCondLst>
+              <p:nextCondLst>
+                <p:cond evt="onNext" delay="0">
+                  <p:tgtEl>
+                    <p:sldTgt/>
+                  </p:tgtEl>
+                </p:cond>
+              </p:nextCondLst>
+            </p:seq>
+          </p:childTnLst>
+        </p:cTn>
+      </p:par>
+    </p:tnLst>
+  </p:timing>
+</p:sld>
+</file>
+
+<file path=ppt/slides/slide7.xml><?xml version="1.0" encoding="utf-8"?>
 <p:sld xmlns:a="http://schemas.openxmlformats.org/drawingml/2006/main" xmlns:r="http://schemas.openxmlformats.org/officeDocument/2006/relationships" xmlns:p="http://schemas.openxmlformats.org/presentationml/2006/main">
   <p:cSld>
     <p:spTree>
